--- a/Presentation.pptx
+++ b/Presentation.pptx
@@ -5,20 +5,18 @@
     <p:sldMasterId id="2147483648" r:id="rId1"/>
   </p:sldMasterIdLst>
   <p:notesMasterIdLst>
-    <p:notesMasterId r:id="rId13"/>
+    <p:notesMasterId r:id="rId11"/>
   </p:notesMasterIdLst>
   <p:sldIdLst>
     <p:sldId id="256" r:id="rId2"/>
-    <p:sldId id="257" r:id="rId3"/>
-    <p:sldId id="258" r:id="rId4"/>
-    <p:sldId id="259" r:id="rId5"/>
-    <p:sldId id="260" r:id="rId6"/>
-    <p:sldId id="261" r:id="rId7"/>
-    <p:sldId id="262" r:id="rId8"/>
-    <p:sldId id="263" r:id="rId9"/>
-    <p:sldId id="264" r:id="rId10"/>
-    <p:sldId id="265" r:id="rId11"/>
-    <p:sldId id="266" r:id="rId12"/>
+    <p:sldId id="267" r:id="rId3"/>
+    <p:sldId id="268" r:id="rId4"/>
+    <p:sldId id="257" r:id="rId5"/>
+    <p:sldId id="258" r:id="rId6"/>
+    <p:sldId id="259" r:id="rId7"/>
+    <p:sldId id="260" r:id="rId8"/>
+    <p:sldId id="261" r:id="rId9"/>
+    <p:sldId id="266" r:id="rId10"/>
   </p:sldIdLst>
   <p:sldSz cx="24384000" cy="13716000"/>
   <p:notesSz cx="6858000" cy="9144000"/>
@@ -320,6 +318,17 @@
       </a:defRPr>
     </a:lvl9pPr>
   </p:defaultTextStyle>
+  <p:extLst>
+    <p:ext uri="{EFAFB233-063F-42B5-8137-9DF3F51BA10A}">
+      <p15:sldGuideLst xmlns:p15="http://schemas.microsoft.com/office/powerpoint/2012/main">
+        <p15:guide id="1" pos="7680" userDrawn="1">
+          <p15:clr>
+            <a:srgbClr val="A4A3A4"/>
+          </p15:clr>
+        </p15:guide>
+      </p15:sldGuideLst>
+    </p:ext>
+  </p:extLst>
 </p:presentation>
 </file>
 
@@ -3687,7 +3696,7 @@
           </a:ln>
           <a:extLst>
             <a:ext uri="{C572A759-6A51-4108-AA02-DFA0A04FC94B}">
-              <ma14:wrappingTextBoxFlag xmlns:ma14="http://schemas.microsoft.com/office/mac/drawingml/2011/main" xmlns:a14="http://schemas.microsoft.com/office/drawing/2010/main" xmlns:m="http://schemas.openxmlformats.org/officeDocument/2006/math" xmlns="" val="1"/>
+              <ma14:wrappingTextBoxFlag xmlns="" xmlns:m="http://schemas.openxmlformats.org/officeDocument/2006/math" xmlns:a14="http://schemas.microsoft.com/office/drawing/2010/main" xmlns:ma14="http://schemas.microsoft.com/office/mac/drawingml/2011/main" val="1"/>
             </a:ext>
           </a:extLst>
         </p:spPr>
@@ -3726,7 +3735,7 @@
           </a:ln>
           <a:extLst>
             <a:ext uri="{C572A759-6A51-4108-AA02-DFA0A04FC94B}">
-              <ma14:wrappingTextBoxFlag xmlns:ma14="http://schemas.microsoft.com/office/mac/drawingml/2011/main" xmlns:a14="http://schemas.microsoft.com/office/drawing/2010/main" xmlns:m="http://schemas.openxmlformats.org/officeDocument/2006/math" xmlns="" val="1"/>
+              <ma14:wrappingTextBoxFlag xmlns="" xmlns:m="http://schemas.openxmlformats.org/officeDocument/2006/math" xmlns:a14="http://schemas.microsoft.com/office/drawing/2010/main" xmlns:ma14="http://schemas.microsoft.com/office/mac/drawingml/2011/main" val="1"/>
             </a:ext>
           </a:extLst>
         </p:spPr>
@@ -4691,7 +4700,7 @@
           </a:ln>
           <a:extLst>
             <a:ext uri="{C572A759-6A51-4108-AA02-DFA0A04FC94B}">
-              <ma14:wrappingTextBoxFlag xmlns:ma14="http://schemas.microsoft.com/office/mac/drawingml/2011/main" xmlns:a14="http://schemas.microsoft.com/office/drawing/2010/main" xmlns:m="http://schemas.openxmlformats.org/officeDocument/2006/math" xmlns="" val="1"/>
+              <ma14:wrappingTextBoxFlag xmlns="" xmlns:m="http://schemas.openxmlformats.org/officeDocument/2006/math" xmlns:a14="http://schemas.microsoft.com/office/drawing/2010/main" xmlns:ma14="http://schemas.microsoft.com/office/mac/drawingml/2011/main" val="1"/>
             </a:ext>
           </a:extLst>
         </p:spPr>
@@ -4755,14 +4764,22 @@
       </p:sp>
       <p:sp>
         <p:nvSpPr>
-          <p:cNvPr id="175" name="Name : Botla Jignesh"/>
-          <p:cNvSpPr txBox="1"/>
+          <p:cNvPr id="2" name="Input : Spectrogram images scaled to a ‘mel-scale’(MFCC)">
+            <a:extLst>
+              <a:ext uri="{FF2B5EF4-FFF2-40B4-BE49-F238E27FC236}">
+                <a16:creationId xmlns:a16="http://schemas.microsoft.com/office/drawing/2014/main" id="{BDBF301F-FC96-6BDB-C6EA-9A78DE4CF39F}"/>
+              </a:ext>
+            </a:extLst>
+          </p:cNvPr>
+          <p:cNvSpPr txBox="1">
+            <a:spLocks/>
+          </p:cNvSpPr>
           <p:nvPr/>
         </p:nvSpPr>
         <p:spPr>
           <a:xfrm>
-            <a:off x="1270000" y="9886550"/>
-            <a:ext cx="21844000" cy="1776016"/>
+            <a:off x="1853685" y="10175072"/>
+            <a:ext cx="20676630" cy="1642533"/>
           </a:xfrm>
           <a:prstGeom prst="rect">
             <a:avLst/>
@@ -4772,67 +4789,294 @@
           </a:ln>
           <a:extLst>
             <a:ext uri="{C572A759-6A51-4108-AA02-DFA0A04FC94B}">
-              <ma14:wrappingTextBoxFlag xmlns:ma14="http://schemas.microsoft.com/office/mac/drawingml/2011/main" xmlns:a14="http://schemas.microsoft.com/office/drawing/2010/main" xmlns:m="http://schemas.openxmlformats.org/officeDocument/2006/math" xmlns="" val="1"/>
+              <ma14:wrappingTextBoxFlag xmlns="" xmlns:m="http://schemas.openxmlformats.org/officeDocument/2006/math" xmlns:a14="http://schemas.microsoft.com/office/drawing/2010/main" xmlns:ma14="http://schemas.microsoft.com/office/mac/drawingml/2011/main" val="1"/>
             </a:ext>
           </a:extLst>
         </p:spPr>
         <p:txBody>
           <a:bodyPr lIns="50800" tIns="50800" rIns="50800" bIns="50800">
-            <a:normAutofit/>
+            <a:normAutofit fontScale="62500" lnSpcReduction="20000"/>
           </a:bodyPr>
-          <a:lstStyle/>
-          <a:p>
-            <a:pPr algn="ctr" defTabSz="825500">
+          <a:lstStyle>
+            <a:lvl1pPr marL="0" marR="0" indent="0" algn="ctr" defTabSz="825500" rtl="0" latinLnBrk="0">
+              <a:lnSpc>
+                <a:spcPct val="100000"/>
+              </a:lnSpc>
               <a:spcBef>
                 <a:spcPts val="0"/>
               </a:spcBef>
-              <a:defRPr sz="3500">
+              <a:spcAft>
+                <a:spcPts val="0"/>
+              </a:spcAft>
+              <a:buClrTx/>
+              <a:buSzTx/>
+              <a:buFontTx/>
+              <a:buNone/>
+              <a:tabLst/>
+              <a:defRPr sz="6400" b="0" i="0" u="none" strike="noStrike" cap="none" spc="0" baseline="0">
                 <a:solidFill>
                   <a:srgbClr val="D5D5D5"/>
                 </a:solidFill>
+                <a:uFillTx/>
                 <a:latin typeface="Graphik Medium"/>
                 <a:ea typeface="Graphik Medium"/>
                 <a:cs typeface="Graphik Medium"/>
                 <a:sym typeface="Graphik Medium"/>
               </a:defRPr>
-            </a:pPr>
+            </a:lvl1pPr>
+            <a:lvl2pPr marL="0" marR="0" indent="0" algn="ctr" defTabSz="825500" rtl="0" latinLnBrk="0">
+              <a:lnSpc>
+                <a:spcPct val="100000"/>
+              </a:lnSpc>
+              <a:spcBef>
+                <a:spcPts val="0"/>
+              </a:spcBef>
+              <a:spcAft>
+                <a:spcPts val="0"/>
+              </a:spcAft>
+              <a:buClrTx/>
+              <a:buSzTx/>
+              <a:buFontTx/>
+              <a:buNone/>
+              <a:tabLst/>
+              <a:defRPr sz="6400" b="0" i="0" u="none" strike="noStrike" cap="none" spc="0" baseline="0">
+                <a:solidFill>
+                  <a:srgbClr val="D5D5D5"/>
+                </a:solidFill>
+                <a:uFillTx/>
+                <a:latin typeface="Graphik Medium"/>
+                <a:ea typeface="Graphik Medium"/>
+                <a:cs typeface="Graphik Medium"/>
+                <a:sym typeface="Graphik Medium"/>
+              </a:defRPr>
+            </a:lvl2pPr>
+            <a:lvl3pPr marL="0" marR="0" indent="0" algn="ctr" defTabSz="825500" rtl="0" latinLnBrk="0">
+              <a:lnSpc>
+                <a:spcPct val="100000"/>
+              </a:lnSpc>
+              <a:spcBef>
+                <a:spcPts val="0"/>
+              </a:spcBef>
+              <a:spcAft>
+                <a:spcPts val="0"/>
+              </a:spcAft>
+              <a:buClrTx/>
+              <a:buSzTx/>
+              <a:buFontTx/>
+              <a:buNone/>
+              <a:tabLst/>
+              <a:defRPr sz="6400" b="0" i="0" u="none" strike="noStrike" cap="none" spc="0" baseline="0">
+                <a:solidFill>
+                  <a:srgbClr val="D5D5D5"/>
+                </a:solidFill>
+                <a:uFillTx/>
+                <a:latin typeface="Graphik Medium"/>
+                <a:ea typeface="Graphik Medium"/>
+                <a:cs typeface="Graphik Medium"/>
+                <a:sym typeface="Graphik Medium"/>
+              </a:defRPr>
+            </a:lvl3pPr>
+            <a:lvl4pPr marL="0" marR="0" indent="0" algn="ctr" defTabSz="825500" rtl="0" latinLnBrk="0">
+              <a:lnSpc>
+                <a:spcPct val="100000"/>
+              </a:lnSpc>
+              <a:spcBef>
+                <a:spcPts val="0"/>
+              </a:spcBef>
+              <a:spcAft>
+                <a:spcPts val="0"/>
+              </a:spcAft>
+              <a:buClrTx/>
+              <a:buSzTx/>
+              <a:buFontTx/>
+              <a:buNone/>
+              <a:tabLst/>
+              <a:defRPr sz="6400" b="0" i="0" u="none" strike="noStrike" cap="none" spc="0" baseline="0">
+                <a:solidFill>
+                  <a:srgbClr val="D5D5D5"/>
+                </a:solidFill>
+                <a:uFillTx/>
+                <a:latin typeface="Graphik Medium"/>
+                <a:ea typeface="Graphik Medium"/>
+                <a:cs typeface="Graphik Medium"/>
+                <a:sym typeface="Graphik Medium"/>
+              </a:defRPr>
+            </a:lvl4pPr>
+            <a:lvl5pPr marL="0" marR="0" indent="0" algn="ctr" defTabSz="825500" rtl="0" latinLnBrk="0">
+              <a:lnSpc>
+                <a:spcPct val="100000"/>
+              </a:lnSpc>
+              <a:spcBef>
+                <a:spcPts val="0"/>
+              </a:spcBef>
+              <a:spcAft>
+                <a:spcPts val="0"/>
+              </a:spcAft>
+              <a:buClrTx/>
+              <a:buSzTx/>
+              <a:buFontTx/>
+              <a:buNone/>
+              <a:tabLst/>
+              <a:defRPr sz="6400" b="0" i="0" u="none" strike="noStrike" cap="none" spc="0" baseline="0">
+                <a:solidFill>
+                  <a:srgbClr val="D5D5D5"/>
+                </a:solidFill>
+                <a:uFillTx/>
+                <a:latin typeface="Graphik Medium"/>
+                <a:ea typeface="Graphik Medium"/>
+                <a:cs typeface="Graphik Medium"/>
+                <a:sym typeface="Graphik Medium"/>
+              </a:defRPr>
+            </a:lvl5pPr>
+            <a:lvl6pPr marL="3352800" marR="0" indent="-558800" algn="l" defTabSz="2438400" rtl="0" latinLnBrk="0">
+              <a:lnSpc>
+                <a:spcPct val="100000"/>
+              </a:lnSpc>
+              <a:spcBef>
+                <a:spcPts val="2400"/>
+              </a:spcBef>
+              <a:spcAft>
+                <a:spcPts val="0"/>
+              </a:spcAft>
+              <a:buClr>
+                <a:srgbClr val="FFFFFF"/>
+              </a:buClr>
+              <a:buSzPct val="100000"/>
+              <a:buFontTx/>
+              <a:buChar char="•"/>
+              <a:tabLst/>
+              <a:defRPr sz="4800" b="0" i="0" u="none" strike="noStrike" cap="none" spc="0" baseline="0">
+                <a:solidFill>
+                  <a:srgbClr val="FFFFFF"/>
+                </a:solidFill>
+                <a:uFillTx/>
+                <a:latin typeface="Graphik"/>
+                <a:ea typeface="Graphik"/>
+                <a:cs typeface="Graphik"/>
+                <a:sym typeface="Graphik"/>
+              </a:defRPr>
+            </a:lvl6pPr>
+            <a:lvl7pPr marL="3911600" marR="0" indent="-558800" algn="l" defTabSz="2438400" rtl="0" latinLnBrk="0">
+              <a:lnSpc>
+                <a:spcPct val="100000"/>
+              </a:lnSpc>
+              <a:spcBef>
+                <a:spcPts val="2400"/>
+              </a:spcBef>
+              <a:spcAft>
+                <a:spcPts val="0"/>
+              </a:spcAft>
+              <a:buClr>
+                <a:srgbClr val="FFFFFF"/>
+              </a:buClr>
+              <a:buSzPct val="100000"/>
+              <a:buFontTx/>
+              <a:buChar char="•"/>
+              <a:tabLst/>
+              <a:defRPr sz="4800" b="0" i="0" u="none" strike="noStrike" cap="none" spc="0" baseline="0">
+                <a:solidFill>
+                  <a:srgbClr val="FFFFFF"/>
+                </a:solidFill>
+                <a:uFillTx/>
+                <a:latin typeface="Graphik"/>
+                <a:ea typeface="Graphik"/>
+                <a:cs typeface="Graphik"/>
+                <a:sym typeface="Graphik"/>
+              </a:defRPr>
+            </a:lvl7pPr>
+            <a:lvl8pPr marL="4470400" marR="0" indent="-558800" algn="l" defTabSz="2438400" rtl="0" latinLnBrk="0">
+              <a:lnSpc>
+                <a:spcPct val="100000"/>
+              </a:lnSpc>
+              <a:spcBef>
+                <a:spcPts val="2400"/>
+              </a:spcBef>
+              <a:spcAft>
+                <a:spcPts val="0"/>
+              </a:spcAft>
+              <a:buClr>
+                <a:srgbClr val="FFFFFF"/>
+              </a:buClr>
+              <a:buSzPct val="100000"/>
+              <a:buFontTx/>
+              <a:buChar char="•"/>
+              <a:tabLst/>
+              <a:defRPr sz="4800" b="0" i="0" u="none" strike="noStrike" cap="none" spc="0" baseline="0">
+                <a:solidFill>
+                  <a:srgbClr val="FFFFFF"/>
+                </a:solidFill>
+                <a:uFillTx/>
+                <a:latin typeface="Graphik"/>
+                <a:ea typeface="Graphik"/>
+                <a:cs typeface="Graphik"/>
+                <a:sym typeface="Graphik"/>
+              </a:defRPr>
+            </a:lvl8pPr>
+            <a:lvl9pPr marL="5029200" marR="0" indent="-558800" algn="l" defTabSz="2438400" rtl="0" latinLnBrk="0">
+              <a:lnSpc>
+                <a:spcPct val="100000"/>
+              </a:lnSpc>
+              <a:spcBef>
+                <a:spcPts val="2400"/>
+              </a:spcBef>
+              <a:spcAft>
+                <a:spcPts val="0"/>
+              </a:spcAft>
+              <a:buClr>
+                <a:srgbClr val="FFFFFF"/>
+              </a:buClr>
+              <a:buSzPct val="100000"/>
+              <a:buFontTx/>
+              <a:buChar char="•"/>
+              <a:tabLst/>
+              <a:defRPr sz="4800" b="0" i="0" u="none" strike="noStrike" cap="none" spc="0" baseline="0">
+                <a:solidFill>
+                  <a:srgbClr val="FFFFFF"/>
+                </a:solidFill>
+                <a:uFillTx/>
+                <a:latin typeface="Graphik"/>
+                <a:ea typeface="Graphik"/>
+                <a:cs typeface="Graphik"/>
+                <a:sym typeface="Graphik"/>
+              </a:defRPr>
+            </a:lvl9pPr>
+          </a:lstStyle>
+          <a:p>
+            <a:pPr hangingPunct="1"/>
+            <a:r>
+              <a:rPr lang="en-US" sz="6500" dirty="0"/>
+              <a:t>Members</a:t>
+            </a:r>
             <a:r>
               <a:rPr lang="en-US" dirty="0"/>
-              <a:t>Members :  </a:t>
-            </a:r>
-            <a:r>
-              <a:rPr lang="en-US" u="sng" dirty="0">
-                <a:hlinkClick r:id="rId2"/>
-              </a:rPr>
-              <a:t>Manichandra Ganapathri, Akshar </a:t>
-            </a:r>
-            <a:r>
-              <a:rPr lang="en-US" u="sng" dirty="0" err="1">
-                <a:hlinkClick r:id="rId2"/>
-              </a:rPr>
+              <a:t>: Manichandra Ganapathri – 2201074,</a:t>
+            </a:r>
+          </a:p>
+          <a:p>
+            <a:pPr hangingPunct="1"/>
+            <a:r>
+              <a:rPr lang="en-US" dirty="0"/>
+              <a:t>Akshar Reddy </a:t>
+            </a:r>
+            <a:r>
+              <a:rPr lang="en-US" dirty="0" err="1"/>
               <a:t>Kondapuram</a:t>
             </a:r>
             <a:r>
-              <a:rPr lang="en-US" u="sng" dirty="0">
-                <a:hlinkClick r:id="rId2"/>
-              </a:rPr>
-              <a:t>, </a:t>
-            </a:r>
-            <a:r>
-              <a:rPr lang="en-US" u="sng" dirty="0" err="1">
-                <a:hlinkClick r:id="rId2"/>
-              </a:rPr>
+              <a:rPr lang="en-US" dirty="0"/>
+              <a:t> – 2201110,</a:t>
+            </a:r>
+          </a:p>
+          <a:p>
+            <a:pPr hangingPunct="1"/>
+            <a:r>
+              <a:rPr lang="en-US" dirty="0" err="1"/>
               <a:t>Botla</a:t>
             </a:r>
             <a:r>
-              <a:rPr lang="en-US" u="sng" dirty="0">
-                <a:hlinkClick r:id="rId2"/>
-              </a:rPr>
-              <a:t> Jignesh</a:t>
-            </a:r>
-            <a:endParaRPr u="sng" dirty="0">
-              <a:hlinkClick r:id="rId2"/>
-            </a:endParaRPr>
+              <a:rPr lang="en-US" dirty="0"/>
+              <a:t> Jignesh - 2201056</a:t>
+            </a:r>
           </a:p>
         </p:txBody>
       </p:sp>
@@ -4845,12 +5089,18 @@
 </p:sld>
 </file>
 
-<file path=ppt/slides/slide10.xml><?xml version="1.0" encoding="utf-8"?>
+<file path=ppt/slides/slide2.xml><?xml version="1.0" encoding="utf-8"?>
 <p:sld xmlns:a="http://schemas.openxmlformats.org/drawingml/2006/main" xmlns:r="http://schemas.openxmlformats.org/officeDocument/2006/relationships" xmlns:p="http://schemas.openxmlformats.org/presentationml/2006/main">
   <p:cSld>
     <p:spTree>
       <p:nvGrpSpPr>
-        <p:cNvPr id="1" name=""/>
+        <p:cNvPr id="1" name="">
+          <a:extLst>
+            <a:ext uri="{FF2B5EF4-FFF2-40B4-BE49-F238E27FC236}">
+              <a16:creationId xmlns:a16="http://schemas.microsoft.com/office/drawing/2014/main" id="{9DF817B3-AAD6-B291-BE88-085B57EEB3FE}"/>
+            </a:ext>
+          </a:extLst>
+        </p:cNvPr>
         <p:cNvGrpSpPr/>
         <p:nvPr/>
       </p:nvGrpSpPr>
@@ -4864,14 +5114,57 @@
       </p:grpSpPr>
       <p:sp>
         <p:nvSpPr>
-          <p:cNvPr id="207" name="Ensemble learning:…"/>
+          <p:cNvPr id="171" name="Music Genre Classification">
+            <a:extLst>
+              <a:ext uri="{FF2B5EF4-FFF2-40B4-BE49-F238E27FC236}">
+                <a16:creationId xmlns:a16="http://schemas.microsoft.com/office/drawing/2014/main" id="{2471CDB7-5BE9-61E9-E814-B1B682F57D51}"/>
+              </a:ext>
+            </a:extLst>
+          </p:cNvPr>
+          <p:cNvSpPr txBox="1">
+            <a:spLocks noGrp="1"/>
+          </p:cNvSpPr>
+          <p:nvPr>
+            <p:ph type="ctrTitle"/>
+          </p:nvPr>
+        </p:nvSpPr>
+        <p:spPr>
+          <a:xfrm>
+            <a:off x="1270000" y="442468"/>
+            <a:ext cx="21844000" cy="2148319"/>
+          </a:xfrm>
+          <a:prstGeom prst="rect">
+            <a:avLst/>
+          </a:prstGeom>
+        </p:spPr>
+        <p:txBody>
+          <a:bodyPr/>
+          <a:lstStyle/>
+          <a:p>
+            <a:r>
+              <a:rPr lang="en-US" dirty="0"/>
+              <a:t>Introduction</a:t>
+            </a:r>
+            <a:endParaRPr dirty="0"/>
+          </a:p>
+        </p:txBody>
+      </p:sp>
+      <p:sp>
+        <p:nvSpPr>
+          <p:cNvPr id="8" name="Firstly, there are implemented supervised learning genre classification models (DNN, CNN) with different sub-categories of their implementations.…">
+            <a:extLst>
+              <a:ext uri="{FF2B5EF4-FFF2-40B4-BE49-F238E27FC236}">
+                <a16:creationId xmlns:a16="http://schemas.microsoft.com/office/drawing/2014/main" id="{77EBA581-CF1B-2C3F-D77B-7595395184ED}"/>
+              </a:ext>
+            </a:extLst>
+          </p:cNvPr>
           <p:cNvSpPr txBox="1"/>
           <p:nvPr/>
         </p:nvSpPr>
         <p:spPr>
           <a:xfrm>
-            <a:off x="749236" y="603340"/>
-            <a:ext cx="10662895" cy="12938185"/>
+            <a:off x="1270000" y="2590787"/>
+            <a:ext cx="22758400" cy="10950738"/>
           </a:xfrm>
           <a:prstGeom prst="rect">
             <a:avLst/>
@@ -4881,165 +5174,109 @@
           </a:ln>
           <a:extLst>
             <a:ext uri="{C572A759-6A51-4108-AA02-DFA0A04FC94B}">
-              <ma14:wrappingTextBoxFlag xmlns:ma14="http://schemas.microsoft.com/office/mac/drawingml/2011/main" xmlns:a14="http://schemas.microsoft.com/office/drawing/2010/main" xmlns:m="http://schemas.openxmlformats.org/officeDocument/2006/math" xmlns="" val="1"/>
+              <ma14:wrappingTextBoxFlag xmlns="" xmlns:m="http://schemas.openxmlformats.org/officeDocument/2006/math" xmlns:a14="http://schemas.microsoft.com/office/drawing/2010/main" xmlns:ma14="http://schemas.microsoft.com/office/mac/drawingml/2011/main" val="1"/>
             </a:ext>
           </a:extLst>
         </p:spPr>
         <p:txBody>
           <a:bodyPr lIns="50800" tIns="50800" rIns="50800" bIns="50800">
-            <a:normAutofit/>
+            <a:noAutofit/>
           </a:bodyPr>
           <a:lstStyle/>
           <a:p>
-            <a:pPr marL="502919" indent="-502919" defTabSz="2194559">
-              <a:spcBef>
-                <a:spcPts val="2100"/>
-              </a:spcBef>
-              <a:buClr>
-                <a:srgbClr val="FFFFFF"/>
-              </a:buClr>
-              <a:buSzPct val="100000"/>
+            <a:r>
+              <a:rPr lang="en-US" b="1" dirty="0"/>
+              <a:t>Background</a:t>
+            </a:r>
+          </a:p>
+          <a:p>
+            <a:pPr marL="685800" indent="-685800">
+              <a:buFont typeface="Arial" panose="020B0604020202020204" pitchFamily="34" charset="0"/>
               <a:buChar char="•"/>
-              <a:defRPr sz="4319" b="1" u="sng"/>
             </a:pPr>
             <a:r>
-              <a:rPr dirty="0"/>
-              <a:t>Ensemble learning:</a:t>
-            </a:r>
-          </a:p>
-          <a:p>
-            <a:pPr marL="502919" indent="-502919" defTabSz="2194559">
-              <a:spcBef>
-                <a:spcPts val="2100"/>
-              </a:spcBef>
-              <a:buClr>
-                <a:srgbClr val="FFFFFF"/>
-              </a:buClr>
-              <a:buSzPct val="100000"/>
+              <a:rPr lang="en-US" b="1" dirty="0"/>
+              <a:t>Music Information Retrieval (MIR)</a:t>
+            </a:r>
+            <a:r>
+              <a:rPr lang="en-US" dirty="0"/>
+              <a:t> is a growing field that combines signal processing, machine learning, and music theory</a:t>
+            </a:r>
+          </a:p>
+          <a:p>
+            <a:pPr marL="685800" indent="-685800">
+              <a:buFont typeface="Arial" panose="020B0604020202020204" pitchFamily="34" charset="0"/>
               <a:buChar char="•"/>
-              <a:defRPr sz="4319"/>
             </a:pPr>
             <a:r>
-              <a:rPr dirty="0"/>
-              <a:t>Here we use 2 models to improve the performance of the final classification model.</a:t>
-            </a:r>
-          </a:p>
-          <a:p>
-            <a:pPr marL="502919" indent="-502919" defTabSz="2194559">
-              <a:spcBef>
-                <a:spcPts val="2100"/>
-              </a:spcBef>
-              <a:buClr>
-                <a:srgbClr val="FFFFFF"/>
-              </a:buClr>
-              <a:buSzPct val="100000"/>
+              <a:rPr lang="en-US" b="1" dirty="0"/>
+              <a:t>Genre classification</a:t>
+            </a:r>
+            <a:r>
+              <a:rPr lang="en-US" dirty="0"/>
+              <a:t> is one of the fundamental tasks in MIR</a:t>
+            </a:r>
+          </a:p>
+          <a:p>
+            <a:r>
+              <a:rPr lang="en-US" b="1" dirty="0"/>
+              <a:t>Automatic genre classification has applications in:</a:t>
+            </a:r>
+          </a:p>
+          <a:p>
+            <a:pPr marL="685800" lvl="1" indent="-685800">
+              <a:buFont typeface="Arial" panose="020B0604020202020204" pitchFamily="34" charset="0"/>
               <a:buChar char="•"/>
-              <a:defRPr sz="4319"/>
             </a:pPr>
             <a:r>
-              <a:rPr dirty="0"/>
-              <a:t>We use two methods in this learning strategy, they are bagging and Stacking.</a:t>
-            </a:r>
-          </a:p>
-          <a:p>
-            <a:pPr marL="502919" indent="-502919" defTabSz="2194559">
-              <a:spcBef>
-                <a:spcPts val="2100"/>
-              </a:spcBef>
-              <a:buClr>
-                <a:srgbClr val="FFFFFF"/>
-              </a:buClr>
-              <a:buSzPct val="100000"/>
+              <a:rPr lang="en-US" dirty="0"/>
+              <a:t>Music recommendation systems (Spotify, YouTube Music)</a:t>
+            </a:r>
+          </a:p>
+          <a:p>
+            <a:pPr marL="685800" lvl="1" indent="-685800">
+              <a:buFont typeface="Arial" panose="020B0604020202020204" pitchFamily="34" charset="0"/>
               <a:buChar char="•"/>
-              <a:defRPr sz="4319"/>
             </a:pPr>
             <a:r>
-              <a:rPr dirty="0"/>
-              <a:t>Bagging is further divided into soft voting and mean value.</a:t>
-            </a:r>
-          </a:p>
-          <a:p>
-            <a:pPr marL="502919" indent="-502919" defTabSz="2194559">
-              <a:spcBef>
-                <a:spcPts val="2100"/>
-              </a:spcBef>
-              <a:buClr>
-                <a:srgbClr val="FFFFFF"/>
-              </a:buClr>
-              <a:buSzPct val="100000"/>
+              <a:rPr lang="en-US" dirty="0"/>
+              <a:t>Content organization and tagging</a:t>
+            </a:r>
+          </a:p>
+          <a:p>
+            <a:r>
+              <a:rPr lang="en-US" b="1" dirty="0"/>
+              <a:t>Motivation</a:t>
+            </a:r>
+          </a:p>
+          <a:p>
+            <a:pPr marL="685800" indent="-685800">
+              <a:buFont typeface="Arial" panose="020B0604020202020204" pitchFamily="34" charset="0"/>
               <a:buChar char="•"/>
-              <a:defRPr sz="4319"/>
             </a:pPr>
             <a:r>
-              <a:rPr dirty="0"/>
-              <a:t>Here </a:t>
-            </a:r>
-            <a:r>
-              <a:rPr dirty="0" err="1"/>
-              <a:t>i</a:t>
-            </a:r>
-            <a:r>
-              <a:rPr dirty="0"/>
-              <a:t> have tried with different weights and used [0.33, 0.67] as weights for accompaniment and vocal.</a:t>
-            </a:r>
-          </a:p>
-          <a:p>
-            <a:pPr marL="502919" indent="-502919" defTabSz="2194559">
-              <a:spcBef>
-                <a:spcPts val="2100"/>
-              </a:spcBef>
-              <a:buClr>
-                <a:srgbClr val="FFFFFF"/>
-              </a:buClr>
-              <a:buSzPct val="100000"/>
+              <a:rPr lang="en-US" dirty="0"/>
+              <a:t>Manual genre tagging is time-consuming and subjective</a:t>
+            </a:r>
+          </a:p>
+          <a:p>
+            <a:pPr marL="685800" indent="-685800">
+              <a:buFont typeface="Arial" panose="020B0604020202020204" pitchFamily="34" charset="0"/>
               <a:buChar char="•"/>
-              <a:defRPr sz="4319"/>
             </a:pPr>
             <a:r>
-              <a:rPr dirty="0"/>
-              <a:t>Used 6 dense layers(including output layer) for DNN and achieved an accuracy of “</a:t>
-            </a:r>
-            <a:r>
-              <a:rPr u="sng" dirty="0">
-                <a:hlinkClick r:id="rId2"/>
-              </a:rPr>
-              <a:t>80.84%</a:t>
-            </a:r>
-            <a:r>
-              <a:rPr dirty="0"/>
-              <a:t>” for 400 epochs</a:t>
+              <a:rPr lang="en-US" dirty="0"/>
+              <a:t>With millions of songs available online, automated classification is essential</a:t>
             </a:r>
           </a:p>
         </p:txBody>
       </p:sp>
-      <p:pic>
-        <p:nvPicPr>
-          <p:cNvPr id="208" name="PNG image.png" descr="PNG image.png"/>
-          <p:cNvPicPr>
-            <a:picLocks noChangeAspect="1"/>
-          </p:cNvPicPr>
-          <p:nvPr/>
-        </p:nvPicPr>
-        <p:blipFill>
-          <a:blip r:embed="rId3"/>
-          <a:stretch>
-            <a:fillRect/>
-          </a:stretch>
-        </p:blipFill>
-        <p:spPr>
-          <a:xfrm>
-            <a:off x="11497541" y="1021775"/>
-            <a:ext cx="12610703" cy="11218405"/>
-          </a:xfrm>
-          <a:prstGeom prst="rect">
-            <a:avLst/>
-          </a:prstGeom>
-          <a:ln w="12700">
-            <a:miter lim="400000"/>
-          </a:ln>
-        </p:spPr>
-      </p:pic>
     </p:spTree>
+    <p:extLst>
+      <p:ext uri="{BB962C8B-B14F-4D97-AF65-F5344CB8AC3E}">
+        <p14:creationId xmlns:p14="http://schemas.microsoft.com/office/powerpoint/2010/main" val="3423334903"/>
+      </p:ext>
+    </p:extLst>
   </p:cSld>
   <p:clrMapOvr>
     <a:masterClrMapping/>
@@ -5048,12 +5285,18 @@
 </p:sld>
 </file>
 
-<file path=ppt/slides/slide11.xml><?xml version="1.0" encoding="utf-8"?>
+<file path=ppt/slides/slide3.xml><?xml version="1.0" encoding="utf-8"?>
 <p:sld xmlns:a="http://schemas.openxmlformats.org/drawingml/2006/main" xmlns:r="http://schemas.openxmlformats.org/officeDocument/2006/relationships" xmlns:p="http://schemas.openxmlformats.org/presentationml/2006/main">
   <p:cSld>
     <p:spTree>
       <p:nvGrpSpPr>
-        <p:cNvPr id="1" name=""/>
+        <p:cNvPr id="1" name="">
+          <a:extLst>
+            <a:ext uri="{FF2B5EF4-FFF2-40B4-BE49-F238E27FC236}">
+              <a16:creationId xmlns:a16="http://schemas.microsoft.com/office/drawing/2014/main" id="{26D0C805-A5F0-2F09-3502-16E8ACBCCC00}"/>
+            </a:ext>
+          </a:extLst>
+        </p:cNvPr>
         <p:cNvGrpSpPr/>
         <p:nvPr/>
       </p:nvGrpSpPr>
@@ -5067,163 +5310,24 @@
       </p:grpSpPr>
       <p:sp>
         <p:nvSpPr>
-          <p:cNvPr id="210" name="References"/>
+          <p:cNvPr id="171" name="Music Genre Classification">
+            <a:extLst>
+              <a:ext uri="{FF2B5EF4-FFF2-40B4-BE49-F238E27FC236}">
+                <a16:creationId xmlns:a16="http://schemas.microsoft.com/office/drawing/2014/main" id="{D04B5247-F434-203F-3972-A143BF5C99AF}"/>
+              </a:ext>
+            </a:extLst>
+          </p:cNvPr>
           <p:cNvSpPr txBox="1">
             <a:spLocks noGrp="1"/>
           </p:cNvSpPr>
           <p:nvPr>
-            <p:ph type="title"/>
-          </p:nvPr>
-        </p:nvSpPr>
-        <p:spPr>
-          <a:prstGeom prst="rect">
-            <a:avLst/>
-          </a:prstGeom>
-        </p:spPr>
-        <p:txBody>
-          <a:bodyPr/>
-          <a:lstStyle>
-            <a:lvl1pPr>
-              <a:defRPr>
-                <a:gradFill flip="none" rotWithShape="1">
-                  <a:gsLst>
-                    <a:gs pos="0">
-                      <a:srgbClr val="FFFFFF"/>
-                    </a:gs>
-                    <a:gs pos="100000">
-                      <a:srgbClr val="333333"/>
-                    </a:gs>
-                  </a:gsLst>
-                  <a:lin ang="5400000" scaled="0"/>
-                </a:gradFill>
-              </a:defRPr>
-            </a:lvl1pPr>
-          </a:lstStyle>
-          <a:p>
-            <a:r>
-              <a:t>References</a:t>
-            </a:r>
-          </a:p>
-        </p:txBody>
-      </p:sp>
-      <p:sp>
-        <p:nvSpPr>
-          <p:cNvPr id="211" name="Minz Won, Janne Spijkervet, Keunwoo Choi &quot;Music Classification: Beyond Supervised Learning, Towards Real-world Application&quot;…"/>
-          <p:cNvSpPr txBox="1">
-            <a:spLocks noGrp="1"/>
-          </p:cNvSpPr>
-          <p:nvPr>
-            <p:ph type="body" idx="21"/>
+            <p:ph type="ctrTitle"/>
           </p:nvPr>
         </p:nvSpPr>
         <p:spPr>
           <a:xfrm>
-            <a:off x="1270000" y="2727627"/>
-            <a:ext cx="21844000" cy="4130373"/>
-          </a:xfrm>
-          <a:prstGeom prst="rect">
-            <a:avLst/>
-          </a:prstGeom>
-          <a:extLst>
-            <a:ext uri="{C572A759-6A51-4108-AA02-DFA0A04FC94B}">
-              <ma14:wrappingTextBoxFlag xmlns:ma14="http://schemas.microsoft.com/office/mac/drawingml/2011/main" xmlns:a14="http://schemas.microsoft.com/office/drawing/2010/main" xmlns:m="http://schemas.openxmlformats.org/officeDocument/2006/math" xmlns="" val="1"/>
-            </a:ext>
-          </a:extLst>
-        </p:spPr>
-        <p:txBody>
-          <a:bodyPr/>
-          <a:lstStyle/>
-          <a:p>
-            <a:pPr marL="458914" indent="-458914" defTabSz="602615">
-              <a:buSzPct val="50000"/>
-              <a:buBlip>
-                <a:blip r:embed="rId2"/>
-              </a:buBlip>
-              <a:defRPr sz="3942"/>
-            </a:pPr>
-            <a:r>
-              <a:rPr u="sng" dirty="0">
-                <a:hlinkClick r:id="rId3"/>
-              </a:rPr>
-              <a:t>Minz Won, Janne </a:t>
-            </a:r>
-            <a:r>
-              <a:rPr u="sng" dirty="0" err="1">
-                <a:hlinkClick r:id="rId3"/>
-              </a:rPr>
-              <a:t>Spijkervet</a:t>
-            </a:r>
-            <a:r>
-              <a:rPr u="sng" dirty="0">
-                <a:hlinkClick r:id="rId3"/>
-              </a:rPr>
-              <a:t>, </a:t>
-            </a:r>
-            <a:r>
-              <a:rPr u="sng" dirty="0" err="1">
-                <a:hlinkClick r:id="rId3"/>
-              </a:rPr>
-              <a:t>Keunwoo</a:t>
-            </a:r>
-            <a:r>
-              <a:rPr u="sng" dirty="0">
-                <a:hlinkClick r:id="rId3"/>
-              </a:rPr>
-              <a:t> Choi "Music Classification: Beyond Supervised Learning, Towards Real-world Application"</a:t>
-            </a:r>
-          </a:p>
-          <a:p>
-            <a:pPr marL="458914" indent="-458914" defTabSz="602615">
-              <a:buSzPct val="50000"/>
-              <a:buBlip>
-                <a:blip r:embed="rId2"/>
-              </a:buBlip>
-              <a:defRPr sz="3942"/>
-            </a:pPr>
-            <a:r>
-              <a:rPr u="sng" dirty="0">
-                <a:hlinkClick r:id="rId4"/>
-              </a:rPr>
-              <a:t>Yichen Liu, Abhijit Dasgupta, </a:t>
-            </a:r>
-            <a:r>
-              <a:rPr u="sng" dirty="0" err="1">
-                <a:hlinkClick r:id="rId4"/>
-              </a:rPr>
-              <a:t>Qiwei</a:t>
-            </a:r>
-            <a:r>
-              <a:rPr u="sng" dirty="0">
-                <a:hlinkClick r:id="rId4"/>
-              </a:rPr>
-              <a:t> He “Music Genre Classification: Ensemble Learning with Subcomponents-level Attention”</a:t>
-            </a:r>
-          </a:p>
-          <a:p>
-            <a:pPr defTabSz="602615">
-              <a:buSzPct val="50000"/>
-              <a:defRPr sz="3942"/>
-            </a:pPr>
-            <a:endParaRPr u="sng" dirty="0">
-              <a:hlinkClick r:id="rId5"/>
-            </a:endParaRPr>
-          </a:p>
-        </p:txBody>
-      </p:sp>
-      <p:sp>
-        <p:nvSpPr>
-          <p:cNvPr id="212" name="NOTE :…"/>
-          <p:cNvSpPr txBox="1">
-            <a:spLocks noGrp="1"/>
-          </p:cNvSpPr>
-          <p:nvPr>
-            <p:ph type="body" sz="half" idx="1"/>
-          </p:nvPr>
-        </p:nvSpPr>
-        <p:spPr>
-          <a:xfrm>
-            <a:off x="1270000" y="8024868"/>
-            <a:ext cx="21844000" cy="4675132"/>
+            <a:off x="1270000" y="442468"/>
+            <a:ext cx="21844000" cy="2148319"/>
           </a:xfrm>
           <a:prstGeom prst="rect">
             <a:avLst/>
@@ -5233,86 +5337,168 @@
           <a:bodyPr/>
           <a:lstStyle/>
           <a:p>
-            <a:pPr defTabSz="503555">
-              <a:spcBef>
-                <a:spcPts val="1400"/>
-              </a:spcBef>
-              <a:defRPr sz="3355" b="1" u="sng" spc="-33"/>
+            <a:r>
+              <a:rPr lang="en-US" dirty="0"/>
+              <a:t>Problem Statement</a:t>
+            </a:r>
+            <a:endParaRPr dirty="0"/>
+          </a:p>
+        </p:txBody>
+      </p:sp>
+      <p:sp>
+        <p:nvSpPr>
+          <p:cNvPr id="8" name="Firstly, there are implemented supervised learning genre classification models (DNN, CNN) with different sub-categories of their implementations.…">
+            <a:extLst>
+              <a:ext uri="{FF2B5EF4-FFF2-40B4-BE49-F238E27FC236}">
+                <a16:creationId xmlns:a16="http://schemas.microsoft.com/office/drawing/2014/main" id="{359759CE-2134-31A0-14E2-CD7791F21CEB}"/>
+              </a:ext>
+            </a:extLst>
+          </p:cNvPr>
+          <p:cNvSpPr txBox="1"/>
+          <p:nvPr/>
+        </p:nvSpPr>
+        <p:spPr>
+          <a:xfrm>
+            <a:off x="609600" y="2344615"/>
+            <a:ext cx="23418800" cy="11160370"/>
+          </a:xfrm>
+          <a:prstGeom prst="rect">
+            <a:avLst/>
+          </a:prstGeom>
+          <a:ln w="12700">
+            <a:miter lim="400000"/>
+          </a:ln>
+          <a:extLst>
+            <a:ext uri="{C572A759-6A51-4108-AA02-DFA0A04FC94B}">
+              <ma14:wrappingTextBoxFlag xmlns="" xmlns:m="http://schemas.openxmlformats.org/officeDocument/2006/math" xmlns:a14="http://schemas.microsoft.com/office/drawing/2010/main" xmlns:ma14="http://schemas.microsoft.com/office/mac/drawingml/2011/main" val="1"/>
+            </a:ext>
+          </a:extLst>
+        </p:spPr>
+        <p:txBody>
+          <a:bodyPr lIns="50800" tIns="50800" rIns="50800" bIns="50800">
+            <a:noAutofit/>
+          </a:bodyPr>
+          <a:lstStyle/>
+          <a:p>
+            <a:r>
+              <a:rPr lang="en-US" b="1" dirty="0"/>
+              <a:t>Core Challenge:</a:t>
+            </a:r>
+          </a:p>
+          <a:p>
+            <a:r>
+              <a:rPr lang="en-US" dirty="0"/>
+              <a:t>"Given an audio file, automatically classify it into one of 10 music genres with high accuracy and robustness."</a:t>
+            </a:r>
+          </a:p>
+          <a:p>
+            <a:r>
+              <a:rPr lang="en-US" b="1" dirty="0"/>
+              <a:t>Key Challenges:</a:t>
+            </a:r>
+          </a:p>
+          <a:p>
+            <a:pPr marL="685800" indent="-685800">
+              <a:buFont typeface="Arial" panose="020B0604020202020204" pitchFamily="34" charset="0"/>
+              <a:buChar char="•"/>
             </a:pPr>
             <a:r>
-              <a:t>NOTE :</a:t>
-            </a:r>
-          </a:p>
-          <a:p>
-            <a:pPr defTabSz="503555">
-              <a:spcBef>
-                <a:spcPts val="1400"/>
-              </a:spcBef>
-              <a:defRPr sz="3355" spc="-33"/>
+              <a:rPr lang="en-US" b="1" dirty="0"/>
+              <a:t>Audio Representation</a:t>
+            </a:r>
+            <a:r>
+              <a:rPr lang="en-US" dirty="0"/>
+              <a:t>: Raw audio waveforms are difficult to process directly</a:t>
+            </a:r>
+          </a:p>
+          <a:p>
+            <a:pPr marL="685800" indent="-685800">
+              <a:buFont typeface="Arial" panose="020B0604020202020204" pitchFamily="34" charset="0"/>
+              <a:buChar char="•"/>
             </a:pPr>
             <a:r>
-              <a:t>Since all the trained </a:t>
-            </a:r>
-            <a:r>
-              <a:rPr u="sng">
-                <a:hlinkClick r:id="rId6"/>
-              </a:rPr>
-              <a:t>models</a:t>
-            </a:r>
-            <a:r>
-              <a:t> are saved, let’s utilize them to deploy a web application. This application will take a song as input and prompt the user to select a specific learning strategy. Once the song is uploaded, it will be processed, and MFCC features will be extracted. These features will then be the input to the models, and the output will be the genre name.</a:t>
-            </a:r>
-          </a:p>
-          <a:p>
-            <a:pPr defTabSz="503555">
-              <a:spcBef>
-                <a:spcPts val="1400"/>
-              </a:spcBef>
-              <a:defRPr sz="3355" spc="-33"/>
+              <a:rPr lang="en-US" b="1" dirty="0"/>
+              <a:t>Feature Extraction</a:t>
+            </a:r>
+            <a:r>
+              <a:rPr lang="en-US" dirty="0"/>
+              <a:t>: Identifying which audio features best represent genre characteristics</a:t>
+            </a:r>
+          </a:p>
+          <a:p>
+            <a:pPr marL="685800" indent="-685800">
+              <a:buFont typeface="Arial" panose="020B0604020202020204" pitchFamily="34" charset="0"/>
+              <a:buChar char="•"/>
             </a:pPr>
-            <a:endParaRPr/>
-          </a:p>
-          <a:p>
-            <a:pPr defTabSz="503555">
-              <a:spcBef>
-                <a:spcPts val="1400"/>
-              </a:spcBef>
-              <a:defRPr sz="3355" u="sng" spc="-33"/>
+            <a:r>
+              <a:rPr lang="en-US" b="1" dirty="0"/>
+              <a:t>Subjectivity</a:t>
+            </a:r>
+            <a:r>
+              <a:rPr lang="en-US" dirty="0"/>
+              <a:t>: Genre boundaries are often fuzzy and overlap</a:t>
+            </a:r>
+          </a:p>
+          <a:p>
+            <a:pPr marL="685800" indent="-685800">
+              <a:buFont typeface="Arial" panose="020B0604020202020204" pitchFamily="34" charset="0"/>
+              <a:buChar char="•"/>
             </a:pPr>
             <a:r>
-              <a:rPr u="none"/>
-              <a:t>Here’s the link to the web application: </a:t>
-            </a:r>
-            <a:r>
-              <a:rPr>
-                <a:hlinkClick r:id="rId7"/>
-              </a:rPr>
-              <a:t>https://jigneshbotla-music-genre-classification-app-i0kjjk.streamlit.app/</a:t>
-            </a:r>
+              <a:rPr lang="en-US" b="1" dirty="0"/>
+              <a:t>Generalization</a:t>
+            </a:r>
+            <a:r>
+              <a:rPr lang="en-US" dirty="0"/>
+              <a:t>: Models must work on unseen songs, not just training data</a:t>
+            </a:r>
+          </a:p>
+          <a:p>
+            <a:r>
+              <a:rPr lang="en-US" b="1" dirty="0"/>
+              <a:t>Technical Objectives:</a:t>
+            </a:r>
+          </a:p>
+          <a:p>
+            <a:pPr marL="685800" indent="-685800">
+              <a:buFont typeface="Arial" panose="020B0604020202020204" pitchFamily="34" charset="0"/>
+              <a:buChar char="•"/>
+            </a:pPr>
+            <a:r>
+              <a:rPr lang="en-US" dirty="0"/>
+              <a:t>Extract meaningful features from audio signals (MFCCs, spectrograms)</a:t>
+            </a:r>
+          </a:p>
+          <a:p>
+            <a:pPr marL="685800" indent="-685800">
+              <a:buFont typeface="Arial" panose="020B0604020202020204" pitchFamily="34" charset="0"/>
+              <a:buChar char="•"/>
+            </a:pPr>
+            <a:r>
+              <a:rPr lang="en-US" dirty="0"/>
+              <a:t>Build multiple classification models using different approaches</a:t>
+            </a:r>
+          </a:p>
+          <a:p>
+            <a:endParaRPr lang="en-US" dirty="0"/>
           </a:p>
         </p:txBody>
       </p:sp>
     </p:spTree>
+    <p:extLst>
+      <p:ext uri="{BB962C8B-B14F-4D97-AF65-F5344CB8AC3E}">
+        <p14:creationId xmlns:p14="http://schemas.microsoft.com/office/powerpoint/2010/main" val="542975804"/>
+      </p:ext>
+    </p:extLst>
   </p:cSld>
   <p:clrMapOvr>
     <a:masterClrMapping/>
   </p:clrMapOvr>
-  <mc:AlternateContent xmlns:mc="http://schemas.openxmlformats.org/markup-compatibility/2006" xmlns:p14="http://schemas.microsoft.com/office/powerpoint/2010/main">
-    <mc:Choice Requires="p14">
-      <p:transition spd="slow" p14:dur="800">
-        <p:dissolve/>
-      </p:transition>
-    </mc:Choice>
-    <mc:Fallback xmlns:a14="http://schemas.microsoft.com/office/drawing/2010/main" xmlns:m="http://schemas.openxmlformats.org/officeDocument/2006/math" xmlns="">
-      <p:transition spd="med">
-        <p:fade/>
-      </p:transition>
-    </mc:Fallback>
-  </mc:AlternateContent>
+  <p:transition spd="med"/>
 </p:sld>
 </file>
 
-<file path=ppt/slides/slide2.xml><?xml version="1.0" encoding="utf-8"?>
+<file path=ppt/slides/slide4.xml><?xml version="1.0" encoding="utf-8"?>
 <p:sld xmlns:a="http://schemas.openxmlformats.org/drawingml/2006/main" xmlns:r="http://schemas.openxmlformats.org/officeDocument/2006/relationships" xmlns:p="http://schemas.openxmlformats.org/presentationml/2006/main">
   <p:cSld>
     <p:spTree>
@@ -5341,7 +5527,7 @@
         </p:nvSpPr>
         <p:spPr>
           <a:xfrm>
-            <a:off x="692955" y="380031"/>
+            <a:off x="692955" y="1882458"/>
             <a:ext cx="22998090" cy="1517234"/>
           </a:xfrm>
           <a:prstGeom prst="rect">
@@ -5371,6 +5557,7 @@
               </a:defRPr>
             </a:pPr>
             <a:r>
+              <a:rPr dirty="0"/>
               <a:t>Genre classification using supervised learning</a:t>
             </a:r>
           </a:p>
@@ -5384,8 +5571,8 @@
         </p:nvSpPr>
         <p:spPr>
           <a:xfrm>
-            <a:off x="1270000" y="2019128"/>
-            <a:ext cx="21844000" cy="11522397"/>
+            <a:off x="1270000" y="3399692"/>
+            <a:ext cx="21844000" cy="10141833"/>
           </a:xfrm>
           <a:prstGeom prst="rect">
             <a:avLst/>
@@ -5395,7 +5582,7 @@
           </a:ln>
           <a:extLst>
             <a:ext uri="{C572A759-6A51-4108-AA02-DFA0A04FC94B}">
-              <ma14:wrappingTextBoxFlag xmlns:ma14="http://schemas.microsoft.com/office/mac/drawingml/2011/main" xmlns:a14="http://schemas.microsoft.com/office/drawing/2010/main" xmlns:m="http://schemas.openxmlformats.org/officeDocument/2006/math" xmlns="" val="1"/>
+              <ma14:wrappingTextBoxFlag xmlns="" xmlns:m="http://schemas.openxmlformats.org/officeDocument/2006/math" xmlns:a14="http://schemas.microsoft.com/office/drawing/2010/main" xmlns:ma14="http://schemas.microsoft.com/office/mac/drawingml/2011/main" val="1"/>
             </a:ext>
           </a:extLst>
         </p:spPr>
@@ -5413,15 +5600,17 @@
               <a:buChar char="•"/>
             </a:pPr>
             <a:r>
+              <a:rPr dirty="0"/>
               <a:t>Firstly, there are implemented supervised learning genre classification models (</a:t>
             </a:r>
             <a:r>
-              <a:rPr u="sng">
+              <a:rPr u="sng" dirty="0">
                 <a:hlinkClick r:id="rId2"/>
               </a:rPr>
               <a:t>DNN, CNN</a:t>
             </a:r>
             <a:r>
+              <a:rPr dirty="0"/>
               <a:t>) with different sub-categories of their implementations. </a:t>
             </a:r>
           </a:p>
@@ -5434,15 +5623,17 @@
               <a:buChar char="•"/>
             </a:pPr>
             <a:r>
+              <a:rPr dirty="0"/>
               <a:t>This paper mentions more supervised learning models (</a:t>
             </a:r>
             <a:r>
-              <a:rPr u="sng">
+              <a:rPr u="sng" dirty="0">
                 <a:hlinkClick r:id="rId3"/>
               </a:rPr>
               <a:t>chapter-7)</a:t>
             </a:r>
             <a:r>
+              <a:rPr dirty="0"/>
               <a:t> that can give better results than the existing implemented ones.</a:t>
             </a:r>
           </a:p>
@@ -5456,10 +5647,11 @@
               <a:defRPr b="1"/>
             </a:pPr>
             <a:r>
-              <a:rPr u="sng"/>
+              <a:rPr u="sng" dirty="0"/>
               <a:t>Fully Convolutional Networks (FCN)</a:t>
             </a:r>
             <a:r>
+              <a:rPr dirty="0"/>
               <a:t> :</a:t>
             </a:r>
           </a:p>
@@ -5472,6 +5664,7 @@
               <a:buChar char="•"/>
             </a:pPr>
             <a:r>
+              <a:rPr dirty="0"/>
               <a:t>FCN is a deep learning strategy that consists of 4 convolution layers that helps in music tagging, in our case it is genre classification.</a:t>
             </a:r>
           </a:p>
@@ -5484,6 +5677,7 @@
               <a:buChar char="•"/>
             </a:pPr>
             <a:r>
+              <a:rPr dirty="0"/>
               <a:t>Hyper-parameters like epochs and learning rate set to (250, 0.0001) for the fare comparison between existing implemented models.</a:t>
             </a:r>
           </a:p>
@@ -5496,11 +5690,42 @@
               <a:buChar char="•"/>
             </a:pPr>
             <a:r>
+              <a:rPr dirty="0"/>
               <a:t>Based on data preparation methods, there are sub categories in FCN (without data slicing, with data slicing, with data augmentation)</a:t>
             </a:r>
           </a:p>
         </p:txBody>
       </p:sp>
+      <p:pic>
+        <p:nvPicPr>
+          <p:cNvPr id="5" name="Picture 4">
+            <a:extLst>
+              <a:ext uri="{FF2B5EF4-FFF2-40B4-BE49-F238E27FC236}">
+                <a16:creationId xmlns:a16="http://schemas.microsoft.com/office/drawing/2014/main" id="{422272B4-E354-4375-E229-C663C653641C}"/>
+              </a:ext>
+            </a:extLst>
+          </p:cNvPr>
+          <p:cNvPicPr>
+            <a:picLocks noChangeAspect="1"/>
+          </p:cNvPicPr>
+          <p:nvPr/>
+        </p:nvPicPr>
+        <p:blipFill>
+          <a:blip r:embed="rId4"/>
+          <a:stretch>
+            <a:fillRect/>
+          </a:stretch>
+        </p:blipFill>
+        <p:spPr>
+          <a:xfrm>
+            <a:off x="1264042" y="295411"/>
+            <a:ext cx="21849958" cy="1774090"/>
+          </a:xfrm>
+          <a:prstGeom prst="rect">
+            <a:avLst/>
+          </a:prstGeom>
+        </p:spPr>
+      </p:pic>
     </p:spTree>
   </p:cSld>
   <p:clrMapOvr>
@@ -5510,7 +5735,7 @@
 </p:sld>
 </file>
 
-<file path=ppt/slides/slide3.xml><?xml version="1.0" encoding="utf-8"?>
+<file path=ppt/slides/slide5.xml><?xml version="1.0" encoding="utf-8"?>
 <p:sld xmlns:a="http://schemas.openxmlformats.org/drawingml/2006/main" xmlns:r="http://schemas.openxmlformats.org/officeDocument/2006/relationships" xmlns:p="http://schemas.openxmlformats.org/presentationml/2006/main">
   <p:cSld>
     <p:spTree>
@@ -5546,7 +5771,7 @@
           </a:ln>
           <a:extLst>
             <a:ext uri="{C572A759-6A51-4108-AA02-DFA0A04FC94B}">
-              <ma14:wrappingTextBoxFlag xmlns:ma14="http://schemas.microsoft.com/office/mac/drawingml/2011/main" xmlns:a14="http://schemas.microsoft.com/office/drawing/2010/main" xmlns:m="http://schemas.openxmlformats.org/officeDocument/2006/math" xmlns="" val="1"/>
+              <ma14:wrappingTextBoxFlag xmlns="" xmlns:m="http://schemas.openxmlformats.org/officeDocument/2006/math" xmlns:a14="http://schemas.microsoft.com/office/drawing/2010/main" xmlns:ma14="http://schemas.microsoft.com/office/mac/drawingml/2011/main" val="1"/>
             </a:ext>
           </a:extLst>
         </p:spPr>
@@ -5847,7 +6072,7 @@
 </p:sld>
 </file>
 
-<file path=ppt/slides/slide4.xml><?xml version="1.0" encoding="utf-8"?>
+<file path=ppt/slides/slide6.xml><?xml version="1.0" encoding="utf-8"?>
 <p:sld xmlns:a="http://schemas.openxmlformats.org/drawingml/2006/main" xmlns:r="http://schemas.openxmlformats.org/officeDocument/2006/relationships" xmlns:p="http://schemas.openxmlformats.org/presentationml/2006/main">
   <p:cSld>
     <p:spTree>
@@ -5883,7 +6108,7 @@
           </a:ln>
           <a:extLst>
             <a:ext uri="{C572A759-6A51-4108-AA02-DFA0A04FC94B}">
-              <ma14:wrappingTextBoxFlag xmlns:ma14="http://schemas.microsoft.com/office/mac/drawingml/2011/main" xmlns:a14="http://schemas.microsoft.com/office/drawing/2010/main" xmlns:m="http://schemas.openxmlformats.org/officeDocument/2006/math" xmlns="" val="1"/>
+              <ma14:wrappingTextBoxFlag xmlns="" xmlns:m="http://schemas.openxmlformats.org/officeDocument/2006/math" xmlns:a14="http://schemas.microsoft.com/office/drawing/2010/main" xmlns:ma14="http://schemas.microsoft.com/office/mac/drawingml/2011/main" val="1"/>
             </a:ext>
           </a:extLst>
         </p:spPr>
@@ -5940,12 +6165,12 @@
               <a:t> </a:t>
             </a:r>
             <a:r>
-              <a:rPr dirty="0" err="1"/>
-              <a:t>i</a:t>
+              <a:rPr lang="en-US" dirty="0"/>
+              <a:t>we </a:t>
             </a:r>
             <a:r>
               <a:rPr dirty="0"/>
-              <a:t> have introduced 7 convolution layers, with dense </a:t>
+              <a:t>have introduced 7 convolution layers, with dense </a:t>
             </a:r>
             <a:r>
               <a:rPr dirty="0" err="1"/>
@@ -6137,7 +6362,7 @@
 </p:sld>
 </file>
 
-<file path=ppt/slides/slide5.xml><?xml version="1.0" encoding="utf-8"?>
+<file path=ppt/slides/slide7.xml><?xml version="1.0" encoding="utf-8"?>
 <p:sld xmlns:a="http://schemas.openxmlformats.org/drawingml/2006/main" xmlns:r="http://schemas.openxmlformats.org/officeDocument/2006/relationships" xmlns:p="http://schemas.openxmlformats.org/presentationml/2006/main">
   <p:cSld>
     <p:spTree>
@@ -6182,8 +6407,10 @@
           </a:lstStyle>
           <a:p>
             <a:r>
+              <a:rPr lang="en-US" dirty="0"/>
               <a:t>Genre classification using Semi-supervised learning </a:t>
             </a:r>
+            <a:endParaRPr dirty="0"/>
           </a:p>
         </p:txBody>
       </p:sp>
@@ -6206,7 +6433,7 @@
           </a:ln>
           <a:extLst>
             <a:ext uri="{C572A759-6A51-4108-AA02-DFA0A04FC94B}">
-              <ma14:wrappingTextBoxFlag xmlns:ma14="http://schemas.microsoft.com/office/mac/drawingml/2011/main" xmlns:a14="http://schemas.microsoft.com/office/drawing/2010/main" xmlns:m="http://schemas.openxmlformats.org/officeDocument/2006/math" xmlns="" val="1"/>
+              <ma14:wrappingTextBoxFlag xmlns="" xmlns:m="http://schemas.openxmlformats.org/officeDocument/2006/math" xmlns:a14="http://schemas.microsoft.com/office/drawing/2010/main" xmlns:ma14="http://schemas.microsoft.com/office/mac/drawingml/2011/main" val="1"/>
             </a:ext>
           </a:extLst>
         </p:spPr>
@@ -6375,7 +6602,7 @@
 </p:sld>
 </file>
 
-<file path=ppt/slides/slide6.xml><?xml version="1.0" encoding="utf-8"?>
+<file path=ppt/slides/slide8.xml><?xml version="1.0" encoding="utf-8"?>
 <p:sld xmlns:a="http://schemas.openxmlformats.org/drawingml/2006/main" xmlns:r="http://schemas.openxmlformats.org/officeDocument/2006/relationships" xmlns:p="http://schemas.openxmlformats.org/presentationml/2006/main">
   <p:cSld>
     <p:spTree>
@@ -6411,7 +6638,7 @@
           </a:ln>
           <a:extLst>
             <a:ext uri="{C572A759-6A51-4108-AA02-DFA0A04FC94B}">
-              <ma14:wrappingTextBoxFlag xmlns:ma14="http://schemas.microsoft.com/office/mac/drawingml/2011/main" xmlns:a14="http://schemas.microsoft.com/office/drawing/2010/main" xmlns:m="http://schemas.openxmlformats.org/officeDocument/2006/math" xmlns="" val="1"/>
+              <ma14:wrappingTextBoxFlag xmlns="" xmlns:m="http://schemas.openxmlformats.org/officeDocument/2006/math" xmlns:a14="http://schemas.microsoft.com/office/drawing/2010/main" xmlns:ma14="http://schemas.microsoft.com/office/mac/drawingml/2011/main" val="1"/>
             </a:ext>
           </a:extLst>
         </p:spPr>
@@ -6508,732 +6735,6 @@
 </p:sld>
 </file>
 
-<file path=ppt/slides/slide7.xml><?xml version="1.0" encoding="utf-8"?>
-<p:sld xmlns:a="http://schemas.openxmlformats.org/drawingml/2006/main" xmlns:r="http://schemas.openxmlformats.org/officeDocument/2006/relationships" xmlns:p="http://schemas.openxmlformats.org/presentationml/2006/main">
-  <p:cSld>
-    <p:spTree>
-      <p:nvGrpSpPr>
-        <p:cNvPr id="1" name=""/>
-        <p:cNvGrpSpPr/>
-        <p:nvPr/>
-      </p:nvGrpSpPr>
-      <p:grpSpPr>
-        <a:xfrm>
-          <a:off x="0" y="0"/>
-          <a:ext cx="0" cy="0"/>
-          <a:chOff x="0" y="0"/>
-          <a:chExt cx="0" cy="0"/>
-        </a:xfrm>
-      </p:grpSpPr>
-      <p:sp>
-        <p:nvSpPr>
-          <p:cNvPr id="193" name="Genre classification using Ensemble learning"/>
-          <p:cNvSpPr txBox="1">
-            <a:spLocks noGrp="1"/>
-          </p:cNvSpPr>
-          <p:nvPr>
-            <p:ph type="body" sz="quarter" idx="1"/>
-          </p:nvPr>
-        </p:nvSpPr>
-        <p:spPr>
-          <a:xfrm>
-            <a:off x="1270000" y="115139"/>
-            <a:ext cx="21844000" cy="1773455"/>
-          </a:xfrm>
-          <a:prstGeom prst="rect">
-            <a:avLst/>
-          </a:prstGeom>
-        </p:spPr>
-        <p:txBody>
-          <a:bodyPr/>
-          <a:lstStyle>
-            <a:lvl1pPr defTabSz="2389632">
-              <a:defRPr sz="8232" spc="-164">
-                <a:gradFill flip="none" rotWithShape="1">
-                  <a:gsLst>
-                    <a:gs pos="0">
-                      <a:srgbClr val="DA5100"/>
-                    </a:gs>
-                    <a:gs pos="100000">
-                      <a:srgbClr val="52D6FC"/>
-                    </a:gs>
-                  </a:gsLst>
-                  <a:lin ang="2700000" scaled="0"/>
-                </a:gradFill>
-              </a:defRPr>
-            </a:lvl1pPr>
-          </a:lstStyle>
-          <a:p>
-            <a:r>
-              <a:t>Genre classification using Ensemble learning </a:t>
-            </a:r>
-          </a:p>
-        </p:txBody>
-      </p:sp>
-      <p:sp>
-        <p:nvSpPr>
-          <p:cNvPr id="194" name="According to the paper for the Music information retrieval(MIR) first we need to do music feature classification.…"/>
-          <p:cNvSpPr txBox="1"/>
-          <p:nvPr/>
-        </p:nvSpPr>
-        <p:spPr>
-          <a:xfrm>
-            <a:off x="1270000" y="1833480"/>
-            <a:ext cx="22889895" cy="5673115"/>
-          </a:xfrm>
-          <a:prstGeom prst="rect">
-            <a:avLst/>
-          </a:prstGeom>
-          <a:ln w="12700">
-            <a:miter lim="400000"/>
-          </a:ln>
-          <a:extLst>
-            <a:ext uri="{C572A759-6A51-4108-AA02-DFA0A04FC94B}">
-              <ma14:wrappingTextBoxFlag xmlns:ma14="http://schemas.microsoft.com/office/mac/drawingml/2011/main" xmlns:a14="http://schemas.microsoft.com/office/drawing/2010/main" xmlns:m="http://schemas.openxmlformats.org/officeDocument/2006/math" xmlns="" val="1"/>
-            </a:ext>
-          </a:extLst>
-        </p:spPr>
-        <p:txBody>
-          <a:bodyPr lIns="50800" tIns="50800" rIns="50800" bIns="50800">
-            <a:normAutofit/>
-          </a:bodyPr>
-          <a:lstStyle/>
-          <a:p>
-            <a:pPr marL="558800" indent="-558800">
-              <a:buClr>
-                <a:srgbClr val="FFFFFF"/>
-              </a:buClr>
-              <a:buSzPct val="100000"/>
-              <a:buChar char="•"/>
-            </a:pPr>
-            <a:r>
-              <a:rPr dirty="0"/>
-              <a:t>According to the </a:t>
-            </a:r>
-            <a:r>
-              <a:rPr u="sng" dirty="0">
-                <a:hlinkClick r:id="rId2"/>
-              </a:rPr>
-              <a:t>paper</a:t>
-            </a:r>
-            <a:r>
-              <a:rPr dirty="0"/>
-              <a:t> for the Music information retrieval(MIR) first we need to do music feature classification.</a:t>
-            </a:r>
-          </a:p>
-          <a:p>
-            <a:pPr marL="558800" indent="-558800">
-              <a:buClr>
-                <a:srgbClr val="FFFFFF"/>
-              </a:buClr>
-              <a:buSzPct val="100000"/>
-              <a:buChar char="•"/>
-            </a:pPr>
-            <a:r>
-              <a:rPr dirty="0"/>
-              <a:t>In this case of Music genre classification, we find ‘vocal’ and ‘accompaniment’ features in each song.</a:t>
-            </a:r>
-          </a:p>
-          <a:p>
-            <a:pPr marL="558800" indent="-558800">
-              <a:buClr>
-                <a:srgbClr val="FFFFFF"/>
-              </a:buClr>
-              <a:buSzPct val="100000"/>
-              <a:buChar char="•"/>
-            </a:pPr>
-            <a:r>
-              <a:rPr dirty="0"/>
-              <a:t>LSTM model is used for vocal extraction and CNN is used for accompaniment.</a:t>
-            </a:r>
-          </a:p>
-        </p:txBody>
-      </p:sp>
-      <p:pic>
-        <p:nvPicPr>
-          <p:cNvPr id="195" name="PNG image.png" descr="PNG image.png"/>
-          <p:cNvPicPr>
-            <a:picLocks noChangeAspect="1"/>
-          </p:cNvPicPr>
-          <p:nvPr/>
-        </p:nvPicPr>
-        <p:blipFill>
-          <a:blip r:embed="rId3"/>
-          <a:stretch>
-            <a:fillRect/>
-          </a:stretch>
-        </p:blipFill>
-        <p:spPr>
-          <a:xfrm>
-            <a:off x="13487654" y="7044328"/>
-            <a:ext cx="10584335" cy="5880187"/>
-          </a:xfrm>
-          <a:prstGeom prst="rect">
-            <a:avLst/>
-          </a:prstGeom>
-          <a:ln w="12700">
-            <a:miter lim="400000"/>
-          </a:ln>
-        </p:spPr>
-      </p:pic>
-      <p:sp>
-        <p:nvSpPr>
-          <p:cNvPr id="196" name="LSTM model for vocal extraction:…"/>
-          <p:cNvSpPr txBox="1"/>
-          <p:nvPr/>
-        </p:nvSpPr>
-        <p:spPr>
-          <a:xfrm>
-            <a:off x="1270000" y="6906668"/>
-            <a:ext cx="12515106" cy="6514639"/>
-          </a:xfrm>
-          <a:prstGeom prst="rect">
-            <a:avLst/>
-          </a:prstGeom>
-          <a:ln w="12700">
-            <a:miter lim="400000"/>
-          </a:ln>
-          <a:extLst>
-            <a:ext uri="{C572A759-6A51-4108-AA02-DFA0A04FC94B}">
-              <ma14:wrappingTextBoxFlag xmlns:ma14="http://schemas.microsoft.com/office/mac/drawingml/2011/main" xmlns:a14="http://schemas.microsoft.com/office/drawing/2010/main" xmlns:m="http://schemas.openxmlformats.org/officeDocument/2006/math" xmlns="" val="1"/>
-            </a:ext>
-          </a:extLst>
-        </p:spPr>
-        <p:txBody>
-          <a:bodyPr lIns="50800" tIns="50800" rIns="50800" bIns="50800">
-            <a:normAutofit/>
-          </a:bodyPr>
-          <a:lstStyle/>
-          <a:p>
-            <a:pPr marL="558800" indent="-558800">
-              <a:buClr>
-                <a:srgbClr val="FFFFFF"/>
-              </a:buClr>
-              <a:buSzPct val="100000"/>
-              <a:buChar char="•"/>
-              <a:defRPr b="1" u="sng"/>
-            </a:pPr>
-            <a:r>
-              <a:t>LSTM model for vocal extraction:</a:t>
-            </a:r>
-          </a:p>
-          <a:p>
-            <a:pPr marL="558800" indent="-558800">
-              <a:buClr>
-                <a:srgbClr val="FFFFFF"/>
-              </a:buClr>
-              <a:buSzPct val="100000"/>
-              <a:buChar char="•"/>
-            </a:pPr>
-            <a:r>
-              <a:t>I have introduced 2 Bidirectional LSTM layers and 4 dense layers(including output layer).</a:t>
-            </a:r>
-          </a:p>
-          <a:p>
-            <a:pPr marL="558800" indent="-558800">
-              <a:buClr>
-                <a:srgbClr val="FFFFFF"/>
-              </a:buClr>
-              <a:buSzPct val="100000"/>
-              <a:buChar char="•"/>
-            </a:pPr>
-            <a:r>
-              <a:t>Also incremented the number of epochs to 250 and removed the Earlystopping, so that model gets trained for all epochs.</a:t>
-            </a:r>
-          </a:p>
-        </p:txBody>
-      </p:sp>
-    </p:spTree>
-  </p:cSld>
-  <p:clrMapOvr>
-    <a:masterClrMapping/>
-  </p:clrMapOvr>
-  <p:transition spd="med"/>
-</p:sld>
-</file>
-
-<file path=ppt/slides/slide8.xml><?xml version="1.0" encoding="utf-8"?>
-<p:sld xmlns:a="http://schemas.openxmlformats.org/drawingml/2006/main" xmlns:r="http://schemas.openxmlformats.org/officeDocument/2006/relationships" xmlns:p="http://schemas.openxmlformats.org/presentationml/2006/main">
-  <p:cSld>
-    <p:spTree>
-      <p:nvGrpSpPr>
-        <p:cNvPr id="1" name=""/>
-        <p:cNvGrpSpPr/>
-        <p:nvPr/>
-      </p:nvGrpSpPr>
-      <p:grpSpPr>
-        <a:xfrm>
-          <a:off x="0" y="0"/>
-          <a:ext cx="0" cy="0"/>
-          <a:chOff x="0" y="0"/>
-          <a:chExt cx="0" cy="0"/>
-        </a:xfrm>
-      </p:grpSpPr>
-      <p:sp>
-        <p:nvSpPr>
-          <p:cNvPr id="198" name="From the following confusion matrix we can get the accuracy as “72.76 %”."/>
-          <p:cNvSpPr txBox="1"/>
-          <p:nvPr/>
-        </p:nvSpPr>
-        <p:spPr>
-          <a:xfrm>
-            <a:off x="548693" y="607259"/>
-            <a:ext cx="10844080" cy="4206459"/>
-          </a:xfrm>
-          <a:prstGeom prst="rect">
-            <a:avLst/>
-          </a:prstGeom>
-          <a:ln w="12700">
-            <a:miter lim="400000"/>
-          </a:ln>
-          <a:extLst>
-            <a:ext uri="{C572A759-6A51-4108-AA02-DFA0A04FC94B}">
-              <ma14:wrappingTextBoxFlag xmlns:ma14="http://schemas.microsoft.com/office/mac/drawingml/2011/main" xmlns:a14="http://schemas.microsoft.com/office/drawing/2010/main" xmlns:m="http://schemas.openxmlformats.org/officeDocument/2006/math" xmlns="" val="1"/>
-            </a:ext>
-          </a:extLst>
-        </p:spPr>
-        <p:txBody>
-          <a:bodyPr lIns="50800" tIns="50800" rIns="50800" bIns="50800">
-            <a:normAutofit/>
-          </a:bodyPr>
-          <a:lstStyle/>
-          <a:p>
-            <a:pPr marL="558800" indent="-558800">
-              <a:buClr>
-                <a:srgbClr val="FFFFFF"/>
-              </a:buClr>
-              <a:buSzPct val="100000"/>
-              <a:buChar char="•"/>
-            </a:pPr>
-            <a:r>
-              <a:rPr dirty="0"/>
-              <a:t>From the following confusion matrix we can get the accuracy as “</a:t>
-            </a:r>
-            <a:r>
-              <a:rPr u="sng" dirty="0">
-                <a:hlinkClick r:id="rId2"/>
-              </a:rPr>
-              <a:t>72.76 %</a:t>
-            </a:r>
-            <a:r>
-              <a:rPr dirty="0"/>
-              <a:t>”.</a:t>
-            </a:r>
-          </a:p>
-        </p:txBody>
-      </p:sp>
-      <p:pic>
-        <p:nvPicPr>
-          <p:cNvPr id="199" name="PNG image.png" descr="PNG image.png"/>
-          <p:cNvPicPr>
-            <a:picLocks noChangeAspect="1"/>
-          </p:cNvPicPr>
-          <p:nvPr/>
-        </p:nvPicPr>
-        <p:blipFill>
-          <a:blip r:embed="rId3"/>
-          <a:stretch>
-            <a:fillRect/>
-          </a:stretch>
-        </p:blipFill>
-        <p:spPr>
-          <a:xfrm>
-            <a:off x="11418351" y="705990"/>
-            <a:ext cx="12940091" cy="11511425"/>
-          </a:xfrm>
-          <a:prstGeom prst="rect">
-            <a:avLst/>
-          </a:prstGeom>
-          <a:ln w="12700">
-            <a:miter lim="400000"/>
-          </a:ln>
-        </p:spPr>
-      </p:pic>
-      <mc:AlternateContent xmlns:mc="http://schemas.openxmlformats.org/markup-compatibility/2006">
-        <mc:Choice xmlns:a14="http://schemas.microsoft.com/office/drawing/2010/main" Requires="a14">
-          <p:sp>
-            <p:nvSpPr>
-              <p:cNvPr id="200" name="Equation"/>
-              <p:cNvSpPr txBox="1"/>
-              <p:nvPr/>
-            </p:nvSpPr>
-            <p:spPr>
-              <a:xfrm>
-                <a:off x="1150516" y="3302660"/>
-                <a:ext cx="10099503" cy="1253948"/>
-              </a:xfrm>
-              <a:prstGeom prst="rect">
-                <a:avLst/>
-              </a:prstGeom>
-              <a:ln w="12700">
-                <a:miter lim="400000"/>
-              </a:ln>
-            </p:spPr>
-            <p:txBody>
-              <a:bodyPr wrap="none" lIns="0" tIns="0" rIns="0" bIns="0">
-                <a:spAutoFit/>
-              </a:bodyPr>
-              <a:lstStyle/>
-              <a:p>
-                <a:pPr defTabSz="914400" latinLnBrk="1">
-                  <a:spcBef>
-                    <a:spcPts val="0"/>
-                  </a:spcBef>
-                  <a:defRPr sz="1800">
-                    <a:solidFill>
-                      <a:srgbClr val="000000"/>
-                    </a:solidFill>
-                  </a:defRPr>
-                </a:pPr>
-                <a14:m>
-                  <m:oMathPara xmlns:m="http://schemas.openxmlformats.org/officeDocument/2006/math">
-                    <m:oMathParaPr>
-                      <m:jc m:val="centerGroup"/>
-                    </m:oMathParaPr>
-                    <m:oMath xmlns:m="http://schemas.openxmlformats.org/officeDocument/2006/math">
-                      <m:r>
-                        <m:rPr>
-                          <m:nor/>
-                        </m:rPr>
-                        <a:rPr sz="4400" i="1">
-                          <a:solidFill>
-                            <a:srgbClr val="FEFFFE"/>
-                          </a:solidFill>
-                          <a:latin typeface="Cambria Math" panose="02040503050406030204" pitchFamily="18" charset="0"/>
-                        </a:rPr>
-                        <m:t>Accuracy</m:t>
-                      </m:r>
-                      <m:r>
-                        <a:rPr sz="4400" i="1">
-                          <a:solidFill>
-                            <a:srgbClr val="FEFFFE"/>
-                          </a:solidFill>
-                          <a:latin typeface="Cambria Math" panose="02040503050406030204" pitchFamily="18" charset="0"/>
-                        </a:rPr>
-                        <m:t>=</m:t>
-                      </m:r>
-                      <m:f>
-                        <m:fPr>
-                          <m:ctrlPr>
-                            <a:rPr sz="4400" i="1">
-                              <a:solidFill>
-                                <a:srgbClr val="FEFFFE"/>
-                              </a:solidFill>
-                              <a:latin typeface="Cambria Math" panose="02040503050406030204" pitchFamily="18" charset="0"/>
-                            </a:rPr>
-                          </m:ctrlPr>
-                        </m:fPr>
-                        <m:num>
-                          <m:r>
-                            <m:rPr>
-                              <m:nor/>
-                            </m:rPr>
-                            <a:rPr sz="4400" i="1">
-                              <a:solidFill>
-                                <a:srgbClr val="FEFFFE"/>
-                              </a:solidFill>
-                              <a:latin typeface="Cambria Math" panose="02040503050406030204" pitchFamily="18" charset="0"/>
-                            </a:rPr>
-                            <m:t>Sum</m:t>
-                          </m:r>
-                          <m:r>
-                            <m:rPr>
-                              <m:nor/>
-                            </m:rPr>
-                            <a:rPr sz="4400" i="1">
-                              <a:solidFill>
-                                <a:srgbClr val="FEFFFE"/>
-                              </a:solidFill>
-                              <a:latin typeface="Cambria Math" panose="02040503050406030204" pitchFamily="18" charset="0"/>
-                            </a:rPr>
-                            <m:t> </m:t>
-                          </m:r>
-                          <m:r>
-                            <m:rPr>
-                              <m:nor/>
-                            </m:rPr>
-                            <a:rPr sz="4400" i="1">
-                              <a:solidFill>
-                                <a:srgbClr val="FEFFFE"/>
-                              </a:solidFill>
-                              <a:latin typeface="Cambria Math" panose="02040503050406030204" pitchFamily="18" charset="0"/>
-                            </a:rPr>
-                            <m:t>of</m:t>
-                          </m:r>
-                          <m:r>
-                            <m:rPr>
-                              <m:nor/>
-                            </m:rPr>
-                            <a:rPr sz="4400" i="1">
-                              <a:solidFill>
-                                <a:srgbClr val="FEFFFE"/>
-                              </a:solidFill>
-                              <a:latin typeface="Cambria Math" panose="02040503050406030204" pitchFamily="18" charset="0"/>
-                            </a:rPr>
-                            <m:t> </m:t>
-                          </m:r>
-                          <m:r>
-                            <m:rPr>
-                              <m:nor/>
-                            </m:rPr>
-                            <a:rPr sz="4400" i="1">
-                              <a:solidFill>
-                                <a:srgbClr val="FEFFFE"/>
-                              </a:solidFill>
-                              <a:latin typeface="Cambria Math" panose="02040503050406030204" pitchFamily="18" charset="0"/>
-                            </a:rPr>
-                            <m:t>diagonal</m:t>
-                          </m:r>
-                          <m:r>
-                            <m:rPr>
-                              <m:nor/>
-                            </m:rPr>
-                            <a:rPr sz="4400" i="1">
-                              <a:solidFill>
-                                <a:srgbClr val="FEFFFE"/>
-                              </a:solidFill>
-                              <a:latin typeface="Cambria Math" panose="02040503050406030204" pitchFamily="18" charset="0"/>
-                            </a:rPr>
-                            <m:t> </m:t>
-                          </m:r>
-                          <m:r>
-                            <m:rPr>
-                              <m:nor/>
-                            </m:rPr>
-                            <a:rPr sz="4400" i="1">
-                              <a:solidFill>
-                                <a:srgbClr val="FEFFFE"/>
-                              </a:solidFill>
-                              <a:latin typeface="Cambria Math" panose="02040503050406030204" pitchFamily="18" charset="0"/>
-                            </a:rPr>
-                            <m:t>elements</m:t>
-                          </m:r>
-                        </m:num>
-                        <m:den>
-                          <m:r>
-                            <m:rPr>
-                              <m:nor/>
-                            </m:rPr>
-                            <a:rPr sz="4400" i="1">
-                              <a:solidFill>
-                                <a:srgbClr val="FEFFFE"/>
-                              </a:solidFill>
-                              <a:latin typeface="Cambria Math" panose="02040503050406030204" pitchFamily="18" charset="0"/>
-                            </a:rPr>
-                            <m:t>Sum</m:t>
-                          </m:r>
-                          <m:r>
-                            <m:rPr>
-                              <m:nor/>
-                            </m:rPr>
-                            <a:rPr sz="4400" i="1">
-                              <a:solidFill>
-                                <a:srgbClr val="FEFFFE"/>
-                              </a:solidFill>
-                              <a:latin typeface="Cambria Math" panose="02040503050406030204" pitchFamily="18" charset="0"/>
-                            </a:rPr>
-                            <m:t> </m:t>
-                          </m:r>
-                          <m:r>
-                            <m:rPr>
-                              <m:nor/>
-                            </m:rPr>
-                            <a:rPr sz="4400" i="1">
-                              <a:solidFill>
-                                <a:srgbClr val="FEFFFE"/>
-                              </a:solidFill>
-                              <a:latin typeface="Cambria Math" panose="02040503050406030204" pitchFamily="18" charset="0"/>
-                            </a:rPr>
-                            <m:t>of</m:t>
-                          </m:r>
-                          <m:r>
-                            <m:rPr>
-                              <m:nor/>
-                            </m:rPr>
-                            <a:rPr sz="4400" i="1">
-                              <a:solidFill>
-                                <a:srgbClr val="FEFFFE"/>
-                              </a:solidFill>
-                              <a:latin typeface="Cambria Math" panose="02040503050406030204" pitchFamily="18" charset="0"/>
-                            </a:rPr>
-                            <m:t> </m:t>
-                          </m:r>
-                          <m:r>
-                            <m:rPr>
-                              <m:nor/>
-                            </m:rPr>
-                            <a:rPr sz="4400" i="1">
-                              <a:solidFill>
-                                <a:srgbClr val="FEFFFE"/>
-                              </a:solidFill>
-                              <a:latin typeface="Cambria Math" panose="02040503050406030204" pitchFamily="18" charset="0"/>
-                            </a:rPr>
-                            <m:t>all</m:t>
-                          </m:r>
-                          <m:r>
-                            <m:rPr>
-                              <m:nor/>
-                            </m:rPr>
-                            <a:rPr sz="4400" i="1">
-                              <a:solidFill>
-                                <a:srgbClr val="FEFFFE"/>
-                              </a:solidFill>
-                              <a:latin typeface="Cambria Math" panose="02040503050406030204" pitchFamily="18" charset="0"/>
-                            </a:rPr>
-                            <m:t> </m:t>
-                          </m:r>
-                          <m:r>
-                            <m:rPr>
-                              <m:nor/>
-                            </m:rPr>
-                            <a:rPr sz="4400" i="1">
-                              <a:solidFill>
-                                <a:srgbClr val="FEFFFE"/>
-                              </a:solidFill>
-                              <a:latin typeface="Cambria Math" panose="02040503050406030204" pitchFamily="18" charset="0"/>
-                            </a:rPr>
-                            <m:t>elements</m:t>
-                          </m:r>
-                        </m:den>
-                      </m:f>
-                    </m:oMath>
-                  </m:oMathPara>
-                </a14:m>
-                <a:endParaRPr sz="4400">
-                  <a:solidFill>
-                    <a:srgbClr val="FFFFFF"/>
-                  </a:solidFill>
-                </a:endParaRPr>
-              </a:p>
-            </p:txBody>
-          </p:sp>
-        </mc:Choice>
-        <mc:Fallback>
-          <p:sp>
-            <p:nvSpPr>
-              <p:cNvPr id="200" name="Equation"/>
-              <p:cNvSpPr txBox="1">
-                <a:spLocks noRot="1" noChangeAspect="1" noMove="1" noResize="1" noEditPoints="1" noAdjustHandles="1" noChangeArrowheads="1" noChangeShapeType="1" noTextEdit="1"/>
-              </p:cNvSpPr>
-              <p:nvPr/>
-            </p:nvSpPr>
-            <p:spPr>
-              <a:xfrm>
-                <a:off x="1150516" y="3302660"/>
-                <a:ext cx="10099503" cy="1253948"/>
-              </a:xfrm>
-              <a:prstGeom prst="rect">
-                <a:avLst/>
-              </a:prstGeom>
-              <a:blipFill>
-                <a:blip r:embed="rId4"/>
-                <a:stretch>
-                  <a:fillRect b="-2439"/>
-                </a:stretch>
-              </a:blipFill>
-              <a:ln w="12700">
-                <a:miter lim="400000"/>
-              </a:ln>
-            </p:spPr>
-            <p:txBody>
-              <a:bodyPr/>
-              <a:lstStyle/>
-              <a:p>
-                <a:r>
-                  <a:rPr lang="en-US">
-                    <a:noFill/>
-                  </a:rPr>
-                  <a:t> </a:t>
-                </a:r>
-              </a:p>
-            </p:txBody>
-          </p:sp>
-        </mc:Fallback>
-      </mc:AlternateContent>
-      <p:sp>
-        <p:nvSpPr>
-          <p:cNvPr id="201" name="= ~ 72.76%…"/>
-          <p:cNvSpPr txBox="1"/>
-          <p:nvPr/>
-        </p:nvSpPr>
-        <p:spPr>
-          <a:xfrm>
-            <a:off x="548693" y="4754771"/>
-            <a:ext cx="10844080" cy="8149600"/>
-          </a:xfrm>
-          <a:prstGeom prst="rect">
-            <a:avLst/>
-          </a:prstGeom>
-          <a:ln w="12700">
-            <a:miter lim="400000"/>
-          </a:ln>
-          <a:extLst>
-            <a:ext uri="{C572A759-6A51-4108-AA02-DFA0A04FC94B}">
-              <ma14:wrappingTextBoxFlag xmlns:ma14="http://schemas.microsoft.com/office/mac/drawingml/2011/main" xmlns:a14="http://schemas.microsoft.com/office/drawing/2010/main" xmlns:m="http://schemas.openxmlformats.org/officeDocument/2006/math" xmlns="" val="1"/>
-            </a:ext>
-          </a:extLst>
-        </p:spPr>
-        <p:txBody>
-          <a:bodyPr lIns="50800" tIns="50800" rIns="50800" bIns="50800">
-            <a:normAutofit/>
-          </a:bodyPr>
-          <a:lstStyle/>
-          <a:p>
-            <a:pPr marL="558800" indent="-558800">
-              <a:buClr>
-                <a:srgbClr val="FFFFFF"/>
-              </a:buClr>
-              <a:buSzPct val="100000"/>
-              <a:buChar char="•"/>
-            </a:pPr>
-            <a:r>
-              <a:t>                = ~ 72.76%</a:t>
-            </a:r>
-          </a:p>
-          <a:p>
-            <a:pPr marL="558800" indent="-558800">
-              <a:buClr>
-                <a:srgbClr val="FFFFFF"/>
-              </a:buClr>
-              <a:buSzPct val="100000"/>
-              <a:buChar char="•"/>
-            </a:pPr>
-            <a:r>
-              <a:t>The accuracy achieved is higher than the one they achieved in the predefined model in the </a:t>
-            </a:r>
-            <a:r>
-              <a:rPr u="sng">
-                <a:hlinkClick r:id="rId5"/>
-              </a:rPr>
-              <a:t>paper</a:t>
-            </a:r>
-            <a:r>
-              <a:t>.</a:t>
-            </a:r>
-          </a:p>
-          <a:p>
-            <a:pPr marL="558800" indent="-558800">
-              <a:buClr>
-                <a:srgbClr val="FFFFFF"/>
-              </a:buClr>
-              <a:buSzPct val="100000"/>
-              <a:buChar char="•"/>
-            </a:pPr>
-            <a:r>
-              <a:t>As of now we tried to achieve good performance in one model(LSTM) used in Ensemble learning(for vocal extraction).</a:t>
-            </a:r>
-          </a:p>
-        </p:txBody>
-      </p:sp>
-    </p:spTree>
-  </p:cSld>
-  <p:clrMapOvr>
-    <a:masterClrMapping/>
-  </p:clrMapOvr>
-  <p:transition spd="med"/>
-</p:sld>
-</file>
-
 <file path=ppt/slides/slide9.xml><?xml version="1.0" encoding="utf-8"?>
 <p:sld xmlns:a="http://schemas.openxmlformats.org/drawingml/2006/main" xmlns:r="http://schemas.openxmlformats.org/officeDocument/2006/relationships" xmlns:p="http://schemas.openxmlformats.org/presentationml/2006/main">
   <p:cSld>
@@ -7253,14 +6754,224 @@
       </p:grpSpPr>
       <p:sp>
         <p:nvSpPr>
-          <p:cNvPr id="203" name="Accompaniment(CNN):…"/>
-          <p:cNvSpPr txBox="1"/>
+          <p:cNvPr id="211" name="Minz Won, Janne Spijkervet, Keunwoo Choi &quot;Music Classification: Beyond Supervised Learning, Towards Real-world Application&quot;…"/>
+          <p:cNvSpPr txBox="1">
+            <a:spLocks noGrp="1"/>
+          </p:cNvSpPr>
+          <p:nvPr>
+            <p:ph type="body" sz="quarter" idx="21"/>
+          </p:nvPr>
+        </p:nvSpPr>
+        <p:spPr>
+          <a:xfrm>
+            <a:off x="1270000" y="7999075"/>
+            <a:ext cx="21844000" cy="1797481"/>
+          </a:xfrm>
+          <a:prstGeom prst="rect">
+            <a:avLst/>
+          </a:prstGeom>
+          <a:extLst>
+            <a:ext uri="{C572A759-6A51-4108-AA02-DFA0A04FC94B}">
+              <ma14:wrappingTextBoxFlag xmlns="" xmlns:m="http://schemas.openxmlformats.org/officeDocument/2006/math" xmlns:a14="http://schemas.microsoft.com/office/drawing/2010/main" xmlns:ma14="http://schemas.microsoft.com/office/mac/drawingml/2011/main" val="1"/>
+            </a:ext>
+          </a:extLst>
+        </p:spPr>
+        <p:txBody>
+          <a:bodyPr/>
+          <a:lstStyle/>
+          <a:p>
+            <a:pPr marL="458914" indent="-458914" defTabSz="602615">
+              <a:buSzPct val="50000"/>
+              <a:buBlip>
+                <a:blip r:embed="rId2"/>
+              </a:buBlip>
+              <a:defRPr sz="3942"/>
+            </a:pPr>
+            <a:r>
+              <a:rPr u="sng" dirty="0">
+                <a:hlinkClick r:id="rId3"/>
+              </a:rPr>
+              <a:t>Minz Won, Janne </a:t>
+            </a:r>
+            <a:r>
+              <a:rPr u="sng" dirty="0" err="1">
+                <a:hlinkClick r:id="rId3"/>
+              </a:rPr>
+              <a:t>Spijkervet</a:t>
+            </a:r>
+            <a:r>
+              <a:rPr u="sng" dirty="0">
+                <a:hlinkClick r:id="rId3"/>
+              </a:rPr>
+              <a:t>, </a:t>
+            </a:r>
+            <a:r>
+              <a:rPr u="sng" dirty="0" err="1">
+                <a:hlinkClick r:id="rId3"/>
+              </a:rPr>
+              <a:t>Keunwoo</a:t>
+            </a:r>
+            <a:r>
+              <a:rPr u="sng" dirty="0">
+                <a:hlinkClick r:id="rId3"/>
+              </a:rPr>
+              <a:t> Choi "Music Classification: Beyond Supervised Learning, Towards Real-world Application"</a:t>
+            </a:r>
+          </a:p>
+          <a:p>
+            <a:pPr defTabSz="602615">
+              <a:buSzPct val="50000"/>
+              <a:defRPr sz="3942"/>
+            </a:pPr>
+            <a:endParaRPr u="sng" dirty="0">
+              <a:hlinkClick r:id="rId4"/>
+            </a:endParaRPr>
+          </a:p>
+        </p:txBody>
+      </p:sp>
+      <p:sp>
+        <p:nvSpPr>
+          <p:cNvPr id="212" name="NOTE :…"/>
+          <p:cNvSpPr txBox="1">
+            <a:spLocks noGrp="1"/>
+          </p:cNvSpPr>
+          <p:nvPr>
+            <p:ph type="body" sz="half" idx="1"/>
+          </p:nvPr>
+        </p:nvSpPr>
+        <p:spPr>
+          <a:xfrm>
+            <a:off x="1270000" y="9994345"/>
+            <a:ext cx="21844000" cy="3135501"/>
+          </a:xfrm>
+          <a:prstGeom prst="rect">
+            <a:avLst/>
+          </a:prstGeom>
+        </p:spPr>
+        <p:txBody>
+          <a:bodyPr/>
+          <a:lstStyle/>
+          <a:p>
+            <a:pPr defTabSz="503555">
+              <a:spcBef>
+                <a:spcPts val="1400"/>
+              </a:spcBef>
+              <a:defRPr sz="3355" b="1" u="sng" spc="-33"/>
+            </a:pPr>
+            <a:r>
+              <a:rPr dirty="0"/>
+              <a:t>NOTE :</a:t>
+            </a:r>
+          </a:p>
+          <a:p>
+            <a:pPr defTabSz="503555">
+              <a:spcBef>
+                <a:spcPts val="1400"/>
+              </a:spcBef>
+              <a:defRPr sz="3355" spc="-33"/>
+            </a:pPr>
+            <a:r>
+              <a:rPr dirty="0"/>
+              <a:t>Since all the trained </a:t>
+            </a:r>
+            <a:r>
+              <a:rPr u="sng" dirty="0">
+                <a:hlinkClick r:id="rId5"/>
+              </a:rPr>
+              <a:t>models</a:t>
+            </a:r>
+            <a:r>
+              <a:rPr dirty="0"/>
+              <a:t> are saved, let’s utilize them to deploy a web application. This application will take a song as input and prompt the user to select a specific learning strategy. Once the song is uploaded, it will be processed, and MFCC features will be extracted. These features will then be the input to the models, and the output will be the genre name.</a:t>
+            </a:r>
+          </a:p>
+          <a:p>
+            <a:pPr defTabSz="503555">
+              <a:spcBef>
+                <a:spcPts val="1400"/>
+              </a:spcBef>
+              <a:defRPr sz="3355" u="sng" spc="-33"/>
+            </a:pPr>
+            <a:r>
+              <a:rPr u="none" dirty="0"/>
+              <a:t>Here’s the link to the web application: </a:t>
+            </a:r>
+            <a:r>
+              <a:rPr lang="en-US" dirty="0">
+                <a:hlinkClick r:id="rId6"/>
+              </a:rPr>
+              <a:t>https://manichandra3-music-genre-prediction-nlp-cs683-group--app-drxjcz.streamlit.app</a:t>
+            </a:r>
+            <a:endParaRPr dirty="0">
+              <a:hlinkClick r:id="rId7"/>
+            </a:endParaRPr>
+          </a:p>
+        </p:txBody>
+      </p:sp>
+      <p:sp>
+        <p:nvSpPr>
+          <p:cNvPr id="210" name="References"/>
+          <p:cNvSpPr txBox="1">
+            <a:spLocks noGrp="1"/>
+          </p:cNvSpPr>
+          <p:nvPr>
+            <p:ph type="title"/>
+          </p:nvPr>
+        </p:nvSpPr>
+        <p:spPr>
+          <a:xfrm>
+            <a:off x="1270000" y="5716925"/>
+            <a:ext cx="21844000" cy="1562100"/>
+          </a:xfrm>
+          <a:prstGeom prst="rect">
+            <a:avLst/>
+          </a:prstGeom>
+        </p:spPr>
+        <p:txBody>
+          <a:bodyPr/>
+          <a:lstStyle>
+            <a:lvl1pPr>
+              <a:defRPr>
+                <a:gradFill flip="none" rotWithShape="1">
+                  <a:gsLst>
+                    <a:gs pos="0">
+                      <a:srgbClr val="FFFFFF"/>
+                    </a:gs>
+                    <a:gs pos="100000">
+                      <a:srgbClr val="333333"/>
+                    </a:gs>
+                  </a:gsLst>
+                  <a:lin ang="5400000" scaled="0"/>
+                </a:gradFill>
+              </a:defRPr>
+            </a:lvl1pPr>
+          </a:lstStyle>
+          <a:p>
+            <a:r>
+              <a:rPr dirty="0"/>
+              <a:t>References</a:t>
+            </a:r>
+          </a:p>
+        </p:txBody>
+      </p:sp>
+      <p:sp>
+        <p:nvSpPr>
+          <p:cNvPr id="2" name="References">
+            <a:extLst>
+              <a:ext uri="{FF2B5EF4-FFF2-40B4-BE49-F238E27FC236}">
+                <a16:creationId xmlns:a16="http://schemas.microsoft.com/office/drawing/2014/main" id="{20A4A670-B629-66B0-ED73-1DE484B0BB19}"/>
+              </a:ext>
+            </a:extLst>
+          </p:cNvPr>
+          <p:cNvSpPr txBox="1">
+            <a:spLocks/>
+          </p:cNvSpPr>
           <p:nvPr/>
         </p:nvSpPr>
         <p:spPr>
           <a:xfrm>
-            <a:off x="548693" y="607259"/>
-            <a:ext cx="10687798" cy="7338554"/>
+            <a:off x="1270000" y="586154"/>
+            <a:ext cx="21844000" cy="1562100"/>
           </a:xfrm>
           <a:prstGeom prst="rect">
             <a:avLst/>
@@ -7270,91 +6981,349 @@
           </a:ln>
           <a:extLst>
             <a:ext uri="{C572A759-6A51-4108-AA02-DFA0A04FC94B}">
-              <ma14:wrappingTextBoxFlag xmlns:ma14="http://schemas.microsoft.com/office/mac/drawingml/2011/main" xmlns:a14="http://schemas.microsoft.com/office/drawing/2010/main" xmlns:m="http://schemas.openxmlformats.org/officeDocument/2006/math" xmlns="" val="1"/>
+              <ma14:wrappingTextBoxFlag xmlns="" xmlns:m="http://schemas.openxmlformats.org/officeDocument/2006/math" xmlns:a14="http://schemas.microsoft.com/office/drawing/2010/main" xmlns:ma14="http://schemas.microsoft.com/office/mac/drawingml/2011/main" val="1"/>
             </a:ext>
           </a:extLst>
         </p:spPr>
         <p:txBody>
-          <a:bodyPr lIns="50800" tIns="50800" rIns="50800" bIns="50800">
+          <a:bodyPr lIns="50800" tIns="50800" rIns="50800" bIns="50800" anchor="b">
             <a:normAutofit/>
           </a:bodyPr>
-          <a:lstStyle/>
-          <a:p>
-            <a:pPr marL="558800" indent="-558800">
-              <a:buClr>
-                <a:srgbClr val="FFFFFF"/>
-              </a:buClr>
-              <a:buSzPct val="100000"/>
-              <a:buChar char="•"/>
-              <a:defRPr b="1" u="sng"/>
-            </a:pPr>
-            <a:r>
-              <a:t>Accompaniment(CNN):</a:t>
-            </a:r>
-          </a:p>
-          <a:p>
-            <a:pPr marL="558800" indent="-558800">
-              <a:buClr>
-                <a:srgbClr val="FFFFFF"/>
-              </a:buClr>
-              <a:buSzPct val="100000"/>
-              <a:buChar char="•"/>
-            </a:pPr>
-            <a:r>
-              <a:t>Now we need to separate instruments from music using CNN model for using it in ensemble learning.</a:t>
-            </a:r>
-          </a:p>
-          <a:p>
-            <a:pPr marL="558800" indent="-558800">
-              <a:buClr>
-                <a:srgbClr val="FFFFFF"/>
-              </a:buClr>
-              <a:buSzPct val="100000"/>
-              <a:buChar char="•"/>
-            </a:pPr>
-            <a:r>
-              <a:t>Added 6 convolution layers and 2 dense layers to the CNN model for better learning.</a:t>
+          <a:lstStyle>
+            <a:lvl1pPr marL="0" marR="0" indent="0" algn="ctr" defTabSz="825500" rtl="0" latinLnBrk="0">
+              <a:lnSpc>
+                <a:spcPct val="80000"/>
+              </a:lnSpc>
+              <a:spcBef>
+                <a:spcPts val="0"/>
+              </a:spcBef>
+              <a:spcAft>
+                <a:spcPts val="0"/>
+              </a:spcAft>
+              <a:buClrTx/>
+              <a:buSzTx/>
+              <a:buFontTx/>
+              <a:buNone/>
+              <a:tabLst/>
+              <a:defRPr sz="8400" b="0" i="0" u="none" strike="noStrike" cap="none" spc="-252" baseline="0">
+                <a:gradFill flip="none" rotWithShape="1">
+                  <a:gsLst>
+                    <a:gs pos="0">
+                      <a:srgbClr val="FFFFFF"/>
+                    </a:gs>
+                    <a:gs pos="100000">
+                      <a:srgbClr val="333333"/>
+                    </a:gs>
+                  </a:gsLst>
+                  <a:lin ang="5400000" scaled="0"/>
+                </a:gradFill>
+                <a:uFillTx/>
+                <a:latin typeface="+mn-lt"/>
+                <a:ea typeface="+mn-ea"/>
+                <a:cs typeface="+mn-cs"/>
+                <a:sym typeface="Graphik Semibold"/>
+              </a:defRPr>
+            </a:lvl1pPr>
+            <a:lvl2pPr marL="0" marR="0" indent="457200" algn="ctr" defTabSz="825500" rtl="0" latinLnBrk="0">
+              <a:lnSpc>
+                <a:spcPct val="80000"/>
+              </a:lnSpc>
+              <a:spcBef>
+                <a:spcPts val="0"/>
+              </a:spcBef>
+              <a:spcAft>
+                <a:spcPts val="0"/>
+              </a:spcAft>
+              <a:buClrTx/>
+              <a:buSzTx/>
+              <a:buFontTx/>
+              <a:buNone/>
+              <a:tabLst/>
+              <a:defRPr sz="8400" b="0" i="0" u="none" strike="noStrike" cap="none" spc="-252" baseline="0">
+                <a:gradFill flip="none" rotWithShape="1">
+                  <a:gsLst>
+                    <a:gs pos="0">
+                      <a:srgbClr val="FFFFFF"/>
+                    </a:gs>
+                    <a:gs pos="100000">
+                      <a:srgbClr val="000000"/>
+                    </a:gs>
+                  </a:gsLst>
+                  <a:lin ang="5400000" scaled="0"/>
+                </a:gradFill>
+                <a:uFillTx/>
+                <a:latin typeface="+mn-lt"/>
+                <a:ea typeface="+mn-ea"/>
+                <a:cs typeface="+mn-cs"/>
+                <a:sym typeface="Graphik Semibold"/>
+              </a:defRPr>
+            </a:lvl2pPr>
+            <a:lvl3pPr marL="0" marR="0" indent="914400" algn="ctr" defTabSz="825500" rtl="0" latinLnBrk="0">
+              <a:lnSpc>
+                <a:spcPct val="80000"/>
+              </a:lnSpc>
+              <a:spcBef>
+                <a:spcPts val="0"/>
+              </a:spcBef>
+              <a:spcAft>
+                <a:spcPts val="0"/>
+              </a:spcAft>
+              <a:buClrTx/>
+              <a:buSzTx/>
+              <a:buFontTx/>
+              <a:buNone/>
+              <a:tabLst/>
+              <a:defRPr sz="8400" b="0" i="0" u="none" strike="noStrike" cap="none" spc="-252" baseline="0">
+                <a:gradFill flip="none" rotWithShape="1">
+                  <a:gsLst>
+                    <a:gs pos="0">
+                      <a:srgbClr val="FFFFFF"/>
+                    </a:gs>
+                    <a:gs pos="100000">
+                      <a:srgbClr val="000000"/>
+                    </a:gs>
+                  </a:gsLst>
+                  <a:lin ang="5400000" scaled="0"/>
+                </a:gradFill>
+                <a:uFillTx/>
+                <a:latin typeface="+mn-lt"/>
+                <a:ea typeface="+mn-ea"/>
+                <a:cs typeface="+mn-cs"/>
+                <a:sym typeface="Graphik Semibold"/>
+              </a:defRPr>
+            </a:lvl3pPr>
+            <a:lvl4pPr marL="0" marR="0" indent="1371600" algn="ctr" defTabSz="825500" rtl="0" latinLnBrk="0">
+              <a:lnSpc>
+                <a:spcPct val="80000"/>
+              </a:lnSpc>
+              <a:spcBef>
+                <a:spcPts val="0"/>
+              </a:spcBef>
+              <a:spcAft>
+                <a:spcPts val="0"/>
+              </a:spcAft>
+              <a:buClrTx/>
+              <a:buSzTx/>
+              <a:buFontTx/>
+              <a:buNone/>
+              <a:tabLst/>
+              <a:defRPr sz="8400" b="0" i="0" u="none" strike="noStrike" cap="none" spc="-252" baseline="0">
+                <a:gradFill flip="none" rotWithShape="1">
+                  <a:gsLst>
+                    <a:gs pos="0">
+                      <a:srgbClr val="FFFFFF"/>
+                    </a:gs>
+                    <a:gs pos="100000">
+                      <a:srgbClr val="000000"/>
+                    </a:gs>
+                  </a:gsLst>
+                  <a:lin ang="5400000" scaled="0"/>
+                </a:gradFill>
+                <a:uFillTx/>
+                <a:latin typeface="+mn-lt"/>
+                <a:ea typeface="+mn-ea"/>
+                <a:cs typeface="+mn-cs"/>
+                <a:sym typeface="Graphik Semibold"/>
+              </a:defRPr>
+            </a:lvl4pPr>
+            <a:lvl5pPr marL="0" marR="0" indent="1828800" algn="ctr" defTabSz="825500" rtl="0" latinLnBrk="0">
+              <a:lnSpc>
+                <a:spcPct val="80000"/>
+              </a:lnSpc>
+              <a:spcBef>
+                <a:spcPts val="0"/>
+              </a:spcBef>
+              <a:spcAft>
+                <a:spcPts val="0"/>
+              </a:spcAft>
+              <a:buClrTx/>
+              <a:buSzTx/>
+              <a:buFontTx/>
+              <a:buNone/>
+              <a:tabLst/>
+              <a:defRPr sz="8400" b="0" i="0" u="none" strike="noStrike" cap="none" spc="-252" baseline="0">
+                <a:gradFill flip="none" rotWithShape="1">
+                  <a:gsLst>
+                    <a:gs pos="0">
+                      <a:srgbClr val="FFFFFF"/>
+                    </a:gs>
+                    <a:gs pos="100000">
+                      <a:srgbClr val="000000"/>
+                    </a:gs>
+                  </a:gsLst>
+                  <a:lin ang="5400000" scaled="0"/>
+                </a:gradFill>
+                <a:uFillTx/>
+                <a:latin typeface="+mn-lt"/>
+                <a:ea typeface="+mn-ea"/>
+                <a:cs typeface="+mn-cs"/>
+                <a:sym typeface="Graphik Semibold"/>
+              </a:defRPr>
+            </a:lvl5pPr>
+            <a:lvl6pPr marL="0" marR="0" indent="2286000" algn="ctr" defTabSz="825500" rtl="0" latinLnBrk="0">
+              <a:lnSpc>
+                <a:spcPct val="80000"/>
+              </a:lnSpc>
+              <a:spcBef>
+                <a:spcPts val="0"/>
+              </a:spcBef>
+              <a:spcAft>
+                <a:spcPts val="0"/>
+              </a:spcAft>
+              <a:buClrTx/>
+              <a:buSzTx/>
+              <a:buFontTx/>
+              <a:buNone/>
+              <a:tabLst/>
+              <a:defRPr sz="8400" b="0" i="0" u="none" strike="noStrike" cap="none" spc="-252" baseline="0">
+                <a:gradFill flip="none" rotWithShape="1">
+                  <a:gsLst>
+                    <a:gs pos="0">
+                      <a:srgbClr val="FFFFFF"/>
+                    </a:gs>
+                    <a:gs pos="100000">
+                      <a:srgbClr val="000000"/>
+                    </a:gs>
+                  </a:gsLst>
+                  <a:lin ang="5400000" scaled="0"/>
+                </a:gradFill>
+                <a:uFillTx/>
+                <a:latin typeface="+mn-lt"/>
+                <a:ea typeface="+mn-ea"/>
+                <a:cs typeface="+mn-cs"/>
+                <a:sym typeface="Graphik Semibold"/>
+              </a:defRPr>
+            </a:lvl6pPr>
+            <a:lvl7pPr marL="0" marR="0" indent="2743200" algn="ctr" defTabSz="825500" rtl="0" latinLnBrk="0">
+              <a:lnSpc>
+                <a:spcPct val="80000"/>
+              </a:lnSpc>
+              <a:spcBef>
+                <a:spcPts val="0"/>
+              </a:spcBef>
+              <a:spcAft>
+                <a:spcPts val="0"/>
+              </a:spcAft>
+              <a:buClrTx/>
+              <a:buSzTx/>
+              <a:buFontTx/>
+              <a:buNone/>
+              <a:tabLst/>
+              <a:defRPr sz="8400" b="0" i="0" u="none" strike="noStrike" cap="none" spc="-252" baseline="0">
+                <a:gradFill flip="none" rotWithShape="1">
+                  <a:gsLst>
+                    <a:gs pos="0">
+                      <a:srgbClr val="FFFFFF"/>
+                    </a:gs>
+                    <a:gs pos="100000">
+                      <a:srgbClr val="000000"/>
+                    </a:gs>
+                  </a:gsLst>
+                  <a:lin ang="5400000" scaled="0"/>
+                </a:gradFill>
+                <a:uFillTx/>
+                <a:latin typeface="+mn-lt"/>
+                <a:ea typeface="+mn-ea"/>
+                <a:cs typeface="+mn-cs"/>
+                <a:sym typeface="Graphik Semibold"/>
+              </a:defRPr>
+            </a:lvl7pPr>
+            <a:lvl8pPr marL="0" marR="0" indent="3200400" algn="ctr" defTabSz="825500" rtl="0" latinLnBrk="0">
+              <a:lnSpc>
+                <a:spcPct val="80000"/>
+              </a:lnSpc>
+              <a:spcBef>
+                <a:spcPts val="0"/>
+              </a:spcBef>
+              <a:spcAft>
+                <a:spcPts val="0"/>
+              </a:spcAft>
+              <a:buClrTx/>
+              <a:buSzTx/>
+              <a:buFontTx/>
+              <a:buNone/>
+              <a:tabLst/>
+              <a:defRPr sz="8400" b="0" i="0" u="none" strike="noStrike" cap="none" spc="-252" baseline="0">
+                <a:gradFill flip="none" rotWithShape="1">
+                  <a:gsLst>
+                    <a:gs pos="0">
+                      <a:srgbClr val="FFFFFF"/>
+                    </a:gs>
+                    <a:gs pos="100000">
+                      <a:srgbClr val="000000"/>
+                    </a:gs>
+                  </a:gsLst>
+                  <a:lin ang="5400000" scaled="0"/>
+                </a:gradFill>
+                <a:uFillTx/>
+                <a:latin typeface="+mn-lt"/>
+                <a:ea typeface="+mn-ea"/>
+                <a:cs typeface="+mn-cs"/>
+                <a:sym typeface="Graphik Semibold"/>
+              </a:defRPr>
+            </a:lvl8pPr>
+            <a:lvl9pPr marL="0" marR="0" indent="3657600" algn="ctr" defTabSz="825500" rtl="0" latinLnBrk="0">
+              <a:lnSpc>
+                <a:spcPct val="80000"/>
+              </a:lnSpc>
+              <a:spcBef>
+                <a:spcPts val="0"/>
+              </a:spcBef>
+              <a:spcAft>
+                <a:spcPts val="0"/>
+              </a:spcAft>
+              <a:buClrTx/>
+              <a:buSzTx/>
+              <a:buFontTx/>
+              <a:buNone/>
+              <a:tabLst/>
+              <a:defRPr sz="8400" b="0" i="0" u="none" strike="noStrike" cap="none" spc="-252" baseline="0">
+                <a:gradFill flip="none" rotWithShape="1">
+                  <a:gsLst>
+                    <a:gs pos="0">
+                      <a:srgbClr val="FFFFFF"/>
+                    </a:gs>
+                    <a:gs pos="100000">
+                      <a:srgbClr val="000000"/>
+                    </a:gs>
+                  </a:gsLst>
+                  <a:lin ang="5400000" scaled="0"/>
+                </a:gradFill>
+                <a:uFillTx/>
+                <a:latin typeface="+mn-lt"/>
+                <a:ea typeface="+mn-ea"/>
+                <a:cs typeface="+mn-cs"/>
+                <a:sym typeface="Graphik Semibold"/>
+              </a:defRPr>
+            </a:lvl9pPr>
+          </a:lstStyle>
+          <a:p>
+            <a:pPr hangingPunct="1"/>
+            <a:r>
+              <a:rPr lang="en-US" dirty="0"/>
+              <a:t>Conclusion</a:t>
             </a:r>
           </a:p>
         </p:txBody>
       </p:sp>
-      <p:pic>
-        <p:nvPicPr>
-          <p:cNvPr id="204" name="PNG image.png" descr="PNG image.png"/>
-          <p:cNvPicPr>
-            <a:picLocks noChangeAspect="1"/>
-          </p:cNvPicPr>
-          <p:nvPr/>
-        </p:nvPicPr>
-        <p:blipFill>
-          <a:blip r:embed="rId2"/>
-          <a:stretch>
-            <a:fillRect/>
-          </a:stretch>
-        </p:blipFill>
-        <p:spPr>
-          <a:xfrm>
-            <a:off x="11609586" y="1685494"/>
-            <a:ext cx="12642125" cy="11246357"/>
-          </a:xfrm>
-          <a:prstGeom prst="rect">
-            <a:avLst/>
-          </a:prstGeom>
-          <a:ln w="12700">
-            <a:miter lim="400000"/>
-          </a:ln>
-        </p:spPr>
-      </p:pic>
       <p:sp>
         <p:nvSpPr>
-          <p:cNvPr id="205" name="From the following confusion matrix we can get the accuracy as “74.7%” which is reasonably higher performance.…"/>
-          <p:cNvSpPr txBox="1"/>
+          <p:cNvPr id="3" name="NOTE :…">
+            <a:extLst>
+              <a:ext uri="{FF2B5EF4-FFF2-40B4-BE49-F238E27FC236}">
+                <a16:creationId xmlns:a16="http://schemas.microsoft.com/office/drawing/2014/main" id="{DC70DCB2-74D0-A96C-BEAF-BDCEF7C1382F}"/>
+              </a:ext>
+            </a:extLst>
+          </p:cNvPr>
+          <p:cNvSpPr txBox="1">
+            <a:spLocks/>
+          </p:cNvSpPr>
           <p:nvPr/>
         </p:nvSpPr>
         <p:spPr>
           <a:xfrm>
-            <a:off x="429708" y="7836686"/>
-            <a:ext cx="10558170" cy="5023343"/>
+            <a:off x="1270000" y="2221399"/>
+            <a:ext cx="21844000" cy="3135501"/>
           </a:xfrm>
           <a:prstGeom prst="rect">
             <a:avLst/>
@@ -7364,7 +7333,7 @@
           </a:ln>
           <a:extLst>
             <a:ext uri="{C572A759-6A51-4108-AA02-DFA0A04FC94B}">
-              <ma14:wrappingTextBoxFlag xmlns:ma14="http://schemas.microsoft.com/office/mac/drawingml/2011/main" xmlns:a14="http://schemas.microsoft.com/office/drawing/2010/main" xmlns:m="http://schemas.openxmlformats.org/officeDocument/2006/math" xmlns="" val="1"/>
+              <ma14:wrappingTextBoxFlag xmlns="" xmlns:m="http://schemas.openxmlformats.org/officeDocument/2006/math" xmlns:a14="http://schemas.microsoft.com/office/drawing/2010/main" xmlns:ma14="http://schemas.microsoft.com/office/mac/drawingml/2011/main" val="1"/>
             </a:ext>
           </a:extLst>
         </p:spPr>
@@ -7372,50 +7341,280 @@
           <a:bodyPr lIns="50800" tIns="50800" rIns="50800" bIns="50800">
             <a:normAutofit/>
           </a:bodyPr>
-          <a:lstStyle/>
-          <a:p>
-            <a:pPr marL="530859" indent="-530859" defTabSz="2316479">
-              <a:spcBef>
-                <a:spcPts val="2200"/>
-              </a:spcBef>
+          <a:lstStyle>
+            <a:lvl1pPr marL="0" marR="0" indent="0" algn="l" defTabSz="825500" rtl="0" latinLnBrk="0">
+              <a:lnSpc>
+                <a:spcPct val="100000"/>
+              </a:lnSpc>
+              <a:spcBef>
+                <a:spcPts val="2400"/>
+              </a:spcBef>
+              <a:spcAft>
+                <a:spcPts val="0"/>
+              </a:spcAft>
+              <a:buClrTx/>
+              <a:buSzTx/>
+              <a:buFontTx/>
+              <a:buNone/>
+              <a:tabLst/>
+              <a:defRPr sz="5500" b="0" i="0" u="none" strike="noStrike" cap="none" spc="-55" baseline="0">
+                <a:solidFill>
+                  <a:srgbClr val="FFFFFF"/>
+                </a:solidFill>
+                <a:uFillTx/>
+                <a:latin typeface="Graphik"/>
+                <a:ea typeface="Graphik"/>
+                <a:cs typeface="Graphik"/>
+                <a:sym typeface="Graphik"/>
+              </a:defRPr>
+            </a:lvl1pPr>
+            <a:lvl2pPr marL="0" marR="0" indent="457200" algn="l" defTabSz="825500" rtl="0" latinLnBrk="0">
+              <a:lnSpc>
+                <a:spcPct val="100000"/>
+              </a:lnSpc>
+              <a:spcBef>
+                <a:spcPts val="2400"/>
+              </a:spcBef>
+              <a:spcAft>
+                <a:spcPts val="0"/>
+              </a:spcAft>
+              <a:buClrTx/>
+              <a:buSzTx/>
+              <a:buFontTx/>
+              <a:buNone/>
+              <a:tabLst/>
+              <a:defRPr sz="5500" b="0" i="0" u="none" strike="noStrike" cap="none" spc="-55" baseline="0">
+                <a:solidFill>
+                  <a:srgbClr val="FFFFFF"/>
+                </a:solidFill>
+                <a:uFillTx/>
+                <a:latin typeface="Graphik"/>
+                <a:ea typeface="Graphik"/>
+                <a:cs typeface="Graphik"/>
+                <a:sym typeface="Graphik"/>
+              </a:defRPr>
+            </a:lvl2pPr>
+            <a:lvl3pPr marL="0" marR="0" indent="914400" algn="l" defTabSz="825500" rtl="0" latinLnBrk="0">
+              <a:lnSpc>
+                <a:spcPct val="100000"/>
+              </a:lnSpc>
+              <a:spcBef>
+                <a:spcPts val="2400"/>
+              </a:spcBef>
+              <a:spcAft>
+                <a:spcPts val="0"/>
+              </a:spcAft>
+              <a:buClrTx/>
+              <a:buSzTx/>
+              <a:buFontTx/>
+              <a:buNone/>
+              <a:tabLst/>
+              <a:defRPr sz="5500" b="0" i="0" u="none" strike="noStrike" cap="none" spc="-55" baseline="0">
+                <a:solidFill>
+                  <a:srgbClr val="FFFFFF"/>
+                </a:solidFill>
+                <a:uFillTx/>
+                <a:latin typeface="Graphik"/>
+                <a:ea typeface="Graphik"/>
+                <a:cs typeface="Graphik"/>
+                <a:sym typeface="Graphik"/>
+              </a:defRPr>
+            </a:lvl3pPr>
+            <a:lvl4pPr marL="0" marR="0" indent="1371600" algn="l" defTabSz="825500" rtl="0" latinLnBrk="0">
+              <a:lnSpc>
+                <a:spcPct val="100000"/>
+              </a:lnSpc>
+              <a:spcBef>
+                <a:spcPts val="2400"/>
+              </a:spcBef>
+              <a:spcAft>
+                <a:spcPts val="0"/>
+              </a:spcAft>
+              <a:buClrTx/>
+              <a:buSzTx/>
+              <a:buFontTx/>
+              <a:buNone/>
+              <a:tabLst/>
+              <a:defRPr sz="5500" b="0" i="0" u="none" strike="noStrike" cap="none" spc="-55" baseline="0">
+                <a:solidFill>
+                  <a:srgbClr val="FFFFFF"/>
+                </a:solidFill>
+                <a:uFillTx/>
+                <a:latin typeface="Graphik"/>
+                <a:ea typeface="Graphik"/>
+                <a:cs typeface="Graphik"/>
+                <a:sym typeface="Graphik"/>
+              </a:defRPr>
+            </a:lvl4pPr>
+            <a:lvl5pPr marL="0" marR="0" indent="1828800" algn="l" defTabSz="825500" rtl="0" latinLnBrk="0">
+              <a:lnSpc>
+                <a:spcPct val="100000"/>
+              </a:lnSpc>
+              <a:spcBef>
+                <a:spcPts val="2400"/>
+              </a:spcBef>
+              <a:spcAft>
+                <a:spcPts val="0"/>
+              </a:spcAft>
+              <a:buClrTx/>
+              <a:buSzTx/>
+              <a:buFontTx/>
+              <a:buNone/>
+              <a:tabLst/>
+              <a:defRPr sz="5500" b="0" i="0" u="none" strike="noStrike" cap="none" spc="-55" baseline="0">
+                <a:solidFill>
+                  <a:srgbClr val="FFFFFF"/>
+                </a:solidFill>
+                <a:uFillTx/>
+                <a:latin typeface="Graphik"/>
+                <a:ea typeface="Graphik"/>
+                <a:cs typeface="Graphik"/>
+                <a:sym typeface="Graphik"/>
+              </a:defRPr>
+            </a:lvl5pPr>
+            <a:lvl6pPr marL="3352800" marR="0" indent="-558800" algn="l" defTabSz="2438400" rtl="0" latinLnBrk="0">
+              <a:lnSpc>
+                <a:spcPct val="100000"/>
+              </a:lnSpc>
+              <a:spcBef>
+                <a:spcPts val="2400"/>
+              </a:spcBef>
+              <a:spcAft>
+                <a:spcPts val="0"/>
+              </a:spcAft>
               <a:buClr>
                 <a:srgbClr val="FFFFFF"/>
               </a:buClr>
               <a:buSzPct val="100000"/>
+              <a:buFontTx/>
               <a:buChar char="•"/>
-              <a:defRPr sz="4560"/>
-            </a:pPr>
-            <a:r>
-              <a:rPr dirty="0"/>
-              <a:t>From the following confusion matrix we can get the accuracy as “</a:t>
-            </a:r>
-            <a:r>
-              <a:rPr u="sng" dirty="0">
-                <a:hlinkClick r:id="rId3"/>
-              </a:rPr>
-              <a:t>74.7%</a:t>
-            </a:r>
-            <a:r>
-              <a:rPr dirty="0"/>
-              <a:t>” which is reasonably higher performance.</a:t>
-            </a:r>
-          </a:p>
-          <a:p>
-            <a:pPr marL="530859" indent="-530859" defTabSz="2316479">
-              <a:spcBef>
-                <a:spcPts val="2200"/>
-              </a:spcBef>
+              <a:tabLst/>
+              <a:defRPr sz="4800" b="0" i="0" u="none" strike="noStrike" cap="none" spc="0" baseline="0">
+                <a:solidFill>
+                  <a:srgbClr val="FFFFFF"/>
+                </a:solidFill>
+                <a:uFillTx/>
+                <a:latin typeface="Graphik"/>
+                <a:ea typeface="Graphik"/>
+                <a:cs typeface="Graphik"/>
+                <a:sym typeface="Graphik"/>
+              </a:defRPr>
+            </a:lvl6pPr>
+            <a:lvl7pPr marL="3911600" marR="0" indent="-558800" algn="l" defTabSz="2438400" rtl="0" latinLnBrk="0">
+              <a:lnSpc>
+                <a:spcPct val="100000"/>
+              </a:lnSpc>
+              <a:spcBef>
+                <a:spcPts val="2400"/>
+              </a:spcBef>
+              <a:spcAft>
+                <a:spcPts val="0"/>
+              </a:spcAft>
               <a:buClr>
                 <a:srgbClr val="FFFFFF"/>
               </a:buClr>
               <a:buSzPct val="100000"/>
+              <a:buFontTx/>
               <a:buChar char="•"/>
-              <a:defRPr sz="4560"/>
+              <a:tabLst/>
+              <a:defRPr sz="4800" b="0" i="0" u="none" strike="noStrike" cap="none" spc="0" baseline="0">
+                <a:solidFill>
+                  <a:srgbClr val="FFFFFF"/>
+                </a:solidFill>
+                <a:uFillTx/>
+                <a:latin typeface="Graphik"/>
+                <a:ea typeface="Graphik"/>
+                <a:cs typeface="Graphik"/>
+                <a:sym typeface="Graphik"/>
+              </a:defRPr>
+            </a:lvl7pPr>
+            <a:lvl8pPr marL="4470400" marR="0" indent="-558800" algn="l" defTabSz="2438400" rtl="0" latinLnBrk="0">
+              <a:lnSpc>
+                <a:spcPct val="100000"/>
+              </a:lnSpc>
+              <a:spcBef>
+                <a:spcPts val="2400"/>
+              </a:spcBef>
+              <a:spcAft>
+                <a:spcPts val="0"/>
+              </a:spcAft>
+              <a:buClr>
+                <a:srgbClr val="FFFFFF"/>
+              </a:buClr>
+              <a:buSzPct val="100000"/>
+              <a:buFontTx/>
+              <a:buChar char="•"/>
+              <a:tabLst/>
+              <a:defRPr sz="4800" b="0" i="0" u="none" strike="noStrike" cap="none" spc="0" baseline="0">
+                <a:solidFill>
+                  <a:srgbClr val="FFFFFF"/>
+                </a:solidFill>
+                <a:uFillTx/>
+                <a:latin typeface="Graphik"/>
+                <a:ea typeface="Graphik"/>
+                <a:cs typeface="Graphik"/>
+                <a:sym typeface="Graphik"/>
+              </a:defRPr>
+            </a:lvl8pPr>
+            <a:lvl9pPr marL="5029200" marR="0" indent="-558800" algn="l" defTabSz="2438400" rtl="0" latinLnBrk="0">
+              <a:lnSpc>
+                <a:spcPct val="100000"/>
+              </a:lnSpc>
+              <a:spcBef>
+                <a:spcPts val="2400"/>
+              </a:spcBef>
+              <a:spcAft>
+                <a:spcPts val="0"/>
+              </a:spcAft>
+              <a:buClr>
+                <a:srgbClr val="FFFFFF"/>
+              </a:buClr>
+              <a:buSzPct val="100000"/>
+              <a:buFontTx/>
+              <a:buChar char="•"/>
+              <a:tabLst/>
+              <a:defRPr sz="4800" b="0" i="0" u="none" strike="noStrike" cap="none" spc="0" baseline="0">
+                <a:solidFill>
+                  <a:srgbClr val="FFFFFF"/>
+                </a:solidFill>
+                <a:uFillTx/>
+                <a:latin typeface="Graphik"/>
+                <a:ea typeface="Graphik"/>
+                <a:cs typeface="Graphik"/>
+                <a:sym typeface="Graphik"/>
+              </a:defRPr>
+            </a:lvl9pPr>
+          </a:lstStyle>
+          <a:p>
+            <a:pPr marL="457200" indent="-457200" defTabSz="503555" hangingPunct="1">
+              <a:spcBef>
+                <a:spcPts val="1400"/>
+              </a:spcBef>
+              <a:buFont typeface="Arial" panose="020B0604020202020204" pitchFamily="34" charset="0"/>
+              <a:buChar char="•"/>
+              <a:defRPr sz="3355" b="1" u="sng" spc="-33"/>
             </a:pPr>
             <a:r>
-              <a:rPr dirty="0"/>
-              <a:t>Now we use both of the models for music genre classification.</a:t>
-            </a:r>
+              <a:rPr lang="en-US" dirty="0"/>
+              <a:t>Using Supervised learning we achieved highest accuracy model (FCN without slicing – 92.12%) because of data interdependency within a song.</a:t>
+            </a:r>
+          </a:p>
+          <a:p>
+            <a:pPr marL="457200" indent="-457200" defTabSz="503555" hangingPunct="1">
+              <a:spcBef>
+                <a:spcPts val="1400"/>
+              </a:spcBef>
+              <a:buFont typeface="Arial" panose="020B0604020202020204" pitchFamily="34" charset="0"/>
+              <a:buChar char="•"/>
+              <a:defRPr sz="3355" b="1" u="sng" spc="-33"/>
+            </a:pPr>
+            <a:r>
+              <a:rPr lang="en-US" dirty="0"/>
+              <a:t>Ideally data in real world is not always labeled so we implemented semi-supervised models of which ‘Noisy Student Training (NST) – 83.38%’ performed best among those models</a:t>
+            </a:r>
+            <a:endParaRPr lang="en-US" dirty="0">
+              <a:hlinkClick r:id="rId7"/>
+            </a:endParaRPr>
           </a:p>
         </p:txBody>
       </p:sp>
@@ -7424,7 +7623,18 @@
   <p:clrMapOvr>
     <a:masterClrMapping/>
   </p:clrMapOvr>
-  <p:transition spd="med"/>
+  <mc:AlternateContent xmlns:mc="http://schemas.openxmlformats.org/markup-compatibility/2006" xmlns:p14="http://schemas.microsoft.com/office/powerpoint/2010/main">
+    <mc:Choice Requires="p14">
+      <p:transition spd="slow" p14:dur="800">
+        <p:dissolve/>
+      </p:transition>
+    </mc:Choice>
+    <mc:Fallback xmlns="" xmlns:m="http://schemas.openxmlformats.org/officeDocument/2006/math" xmlns:a14="http://schemas.microsoft.com/office/drawing/2010/main">
+      <p:transition spd="med">
+        <p:fade/>
+      </p:transition>
+    </mc:Fallback>
+  </mc:AlternateContent>
 </p:sld>
 </file>
 
